--- a/slide_template.pptx
+++ b/slide_template.pptx
@@ -166,10 +166,6 @@
 </p:cmAuthorLst>
 </file>
 
-<file path=ppt/revisionInfo.xml><?xml version="1.0" encoding="utf-8"?>
-<p1510:revInfo xmlns:a="http://schemas.openxmlformats.org/drawingml/2006/main" xmlns:r="http://schemas.openxmlformats.org/officeDocument/2006/relationships" xmlns:p1510="http://schemas.microsoft.com/office/powerpoint/2015/10/main"/>
-</file>
-
 <file path=ppt/handoutMasters/handoutMaster1.xml><?xml version="1.0" encoding="utf-8"?>
 <p:handoutMaster xmlns:a="http://schemas.openxmlformats.org/drawingml/2006/main" xmlns:r="http://schemas.openxmlformats.org/officeDocument/2006/relationships" xmlns:p="http://schemas.openxmlformats.org/presentationml/2006/main">
   <p:cSld>
@@ -252,7 +248,7 @@
           <a:p>
             <a:fld id="{6BD09C2E-B017-4D1F-A4D6-74A36763CD4A}" type="datetimeFigureOut">
               <a:rPr kumimoji="1" lang="ja-JP" altLang="en-US" smtClean="0"/>
-              <a:t>2017/8/8</a:t>
+              <a:t>2018/4/10</a:t>
             </a:fld>
             <a:endParaRPr kumimoji="1" lang="ja-JP" altLang="en-US"/>
           </a:p>
@@ -445,7 +441,7 @@
           <a:p>
             <a:fld id="{E8105437-CC62-4088-AC22-8C6CC8E783A0}" type="datetimeFigureOut">
               <a:rPr kumimoji="1" lang="ja-JP" altLang="en-US" smtClean="0"/>
-              <a:t>2017/8/8</a:t>
+              <a:t>2018/4/10</a:t>
             </a:fld>
             <a:endParaRPr kumimoji="1" lang="ja-JP" altLang="en-US"/>
           </a:p>
@@ -969,86 +965,6 @@
       </p:sp>
       <p:sp>
         <p:nvSpPr>
-          <p:cNvPr id="4" name="日付プレースホルダー 3"/>
-          <p:cNvSpPr>
-            <a:spLocks noGrp="1"/>
-          </p:cNvSpPr>
-          <p:nvPr>
-            <p:ph type="dt" sz="half" idx="10"/>
-          </p:nvPr>
-        </p:nvSpPr>
-        <p:spPr>
-          <a:xfrm>
-            <a:off x="460248" y="6383734"/>
-            <a:ext cx="2133600" cy="365125"/>
-          </a:xfrm>
-        </p:spPr>
-        <p:txBody>
-          <a:bodyPr/>
-          <a:lstStyle/>
-          <a:p>
-            <a:fld id="{70E86920-2925-4ECD-BAC8-714E3B31BE9A}" type="datetime1">
-              <a:rPr kumimoji="1" lang="ja-JP" altLang="en-US" smtClean="0"/>
-              <a:t>2017/8/8</a:t>
-            </a:fld>
-            <a:endParaRPr kumimoji="1" lang="ja-JP" altLang="en-US"/>
-          </a:p>
-        </p:txBody>
-      </p:sp>
-      <p:sp>
-        <p:nvSpPr>
-          <p:cNvPr id="5" name="フッター プレースホルダー 4"/>
-          <p:cNvSpPr>
-            <a:spLocks noGrp="1"/>
-          </p:cNvSpPr>
-          <p:nvPr>
-            <p:ph type="ftr" sz="quarter" idx="11"/>
-          </p:nvPr>
-        </p:nvSpPr>
-        <p:spPr>
-          <a:xfrm>
-            <a:off x="3127248" y="6383734"/>
-            <a:ext cx="2895600" cy="365125"/>
-          </a:xfrm>
-        </p:spPr>
-        <p:txBody>
-          <a:bodyPr/>
-          <a:lstStyle/>
-          <a:p>
-            <a:endParaRPr kumimoji="1" lang="ja-JP" altLang="en-US"/>
-          </a:p>
-        </p:txBody>
-      </p:sp>
-      <p:sp>
-        <p:nvSpPr>
-          <p:cNvPr id="6" name="スライド番号プレースホルダー 5"/>
-          <p:cNvSpPr>
-            <a:spLocks noGrp="1"/>
-          </p:cNvSpPr>
-          <p:nvPr>
-            <p:ph type="sldNum" sz="quarter" idx="12"/>
-          </p:nvPr>
-        </p:nvSpPr>
-        <p:spPr>
-          <a:xfrm>
-            <a:off x="6556248" y="6383734"/>
-            <a:ext cx="2133600" cy="365125"/>
-          </a:xfrm>
-        </p:spPr>
-        <p:txBody>
-          <a:bodyPr/>
-          <a:lstStyle/>
-          <a:p>
-            <a:fld id="{9F8B1634-8D81-4B56-95D2-A5CBC1A79323}" type="slidenum">
-              <a:rPr kumimoji="1" lang="ja-JP" altLang="en-US" smtClean="0"/>
-              <a:t>‹#›</a:t>
-            </a:fld>
-            <a:endParaRPr kumimoji="1" lang="ja-JP" altLang="en-US"/>
-          </a:p>
-        </p:txBody>
-      </p:sp>
-      <p:sp>
-        <p:nvSpPr>
           <p:cNvPr id="7" name="Rectangle 6"/>
           <p:cNvSpPr/>
           <p:nvPr userDrawn="1"/>
@@ -1108,7 +1024,7 @@
             <a:avLst/>
           </a:prstGeom>
           <a:solidFill>
-            <a:schemeClr val="accent5">
+            <a:schemeClr val="accent1">
               <a:lumMod val="75000"/>
             </a:schemeClr>
           </a:solidFill>
@@ -1341,6 +1257,8 @@
                 <a:solidFill>
                   <a:srgbClr val="FFFFFF"/>
                 </a:solidFill>
+                <a:latin typeface="メイリオ" panose="020B0604030504040204" pitchFamily="50" charset="-128"/>
+                <a:ea typeface="メイリオ" panose="020B0604030504040204" pitchFamily="50" charset="-128"/>
               </a:defRPr>
             </a:lvl1pPr>
             <a:lvl2pPr marL="457200" indent="0" algn="ctr">
@@ -1468,7 +1386,7 @@
             <a:avLst/>
           </a:prstGeom>
           <a:solidFill>
-            <a:schemeClr val="accent5">
+            <a:schemeClr val="accent1">
               <a:lumMod val="75000"/>
             </a:schemeClr>
           </a:solidFill>
@@ -1573,6 +1491,8 @@
                 <a:solidFill>
                   <a:schemeClr val="bg1"/>
                 </a:solidFill>
+                <a:latin typeface="メイリオ" panose="020B0604030504040204" pitchFamily="50" charset="-128"/>
+                <a:ea typeface="メイリオ" panose="020B0604030504040204" pitchFamily="50" charset="-128"/>
               </a:defRPr>
             </a:lvl1pPr>
           </a:lstStyle>
@@ -1614,6 +1534,119 @@
           </a:fontRef>
         </p:style>
       </p:cxnSp>
+      <p:sp>
+        <p:nvSpPr>
+          <p:cNvPr id="10" name="日付プレースホルダー 3">
+            <a:extLst>
+              <a:ext uri="{FF2B5EF4-FFF2-40B4-BE49-F238E27FC236}">
+                <a16:creationId xmlns:a16="http://schemas.microsoft.com/office/drawing/2014/main" id="{BBE8354F-49B3-465A-B5E8-CA54945370ED}"/>
+              </a:ext>
+            </a:extLst>
+          </p:cNvPr>
+          <p:cNvSpPr>
+            <a:spLocks noGrp="1"/>
+          </p:cNvSpPr>
+          <p:nvPr>
+            <p:ph type="dt" sz="half" idx="10"/>
+          </p:nvPr>
+        </p:nvSpPr>
+        <p:spPr>
+          <a:xfrm>
+            <a:off x="206152" y="6383734"/>
+            <a:ext cx="2133600" cy="365125"/>
+          </a:xfrm>
+        </p:spPr>
+        <p:txBody>
+          <a:bodyPr/>
+          <a:lstStyle>
+            <a:lvl1pPr>
+              <a:defRPr sz="1800"/>
+            </a:lvl1pPr>
+          </a:lstStyle>
+          <a:p>
+            <a:fld id="{70E86920-2925-4ECD-BAC8-714E3B31BE9A}" type="datetime1">
+              <a:rPr lang="ja-JP" altLang="en-US" smtClean="0"/>
+              <a:pPr/>
+              <a:t>2018/4/10</a:t>
+            </a:fld>
+            <a:endParaRPr lang="ja-JP" altLang="en-US" dirty="0"/>
+          </a:p>
+        </p:txBody>
+      </p:sp>
+      <p:sp>
+        <p:nvSpPr>
+          <p:cNvPr id="11" name="フッター プレースホルダー 4">
+            <a:extLst>
+              <a:ext uri="{FF2B5EF4-FFF2-40B4-BE49-F238E27FC236}">
+                <a16:creationId xmlns:a16="http://schemas.microsoft.com/office/drawing/2014/main" id="{8EE4B9D0-476D-4E19-B353-F67A70EF479A}"/>
+              </a:ext>
+            </a:extLst>
+          </p:cNvPr>
+          <p:cNvSpPr>
+            <a:spLocks noGrp="1"/>
+          </p:cNvSpPr>
+          <p:nvPr>
+            <p:ph type="ftr" sz="quarter" idx="11"/>
+          </p:nvPr>
+        </p:nvSpPr>
+        <p:spPr>
+          <a:xfrm>
+            <a:off x="3127248" y="6383734"/>
+            <a:ext cx="2895600" cy="365125"/>
+          </a:xfrm>
+        </p:spPr>
+        <p:txBody>
+          <a:bodyPr/>
+          <a:lstStyle>
+            <a:lvl1pPr algn="ctr">
+              <a:defRPr sz="1800"/>
+            </a:lvl1pPr>
+          </a:lstStyle>
+          <a:p>
+            <a:endParaRPr lang="ja-JP" altLang="en-US" dirty="0"/>
+          </a:p>
+        </p:txBody>
+      </p:sp>
+      <p:sp>
+        <p:nvSpPr>
+          <p:cNvPr id="13" name="スライド番号プレースホルダー 5">
+            <a:extLst>
+              <a:ext uri="{FF2B5EF4-FFF2-40B4-BE49-F238E27FC236}">
+                <a16:creationId xmlns:a16="http://schemas.microsoft.com/office/drawing/2014/main" id="{B506DA1F-908F-4FB6-861D-6E322E706D21}"/>
+              </a:ext>
+            </a:extLst>
+          </p:cNvPr>
+          <p:cNvSpPr>
+            <a:spLocks noGrp="1"/>
+          </p:cNvSpPr>
+          <p:nvPr>
+            <p:ph type="sldNum" sz="quarter" idx="12"/>
+          </p:nvPr>
+        </p:nvSpPr>
+        <p:spPr>
+          <a:xfrm>
+            <a:off x="6732240" y="6383734"/>
+            <a:ext cx="2133600" cy="365125"/>
+          </a:xfrm>
+        </p:spPr>
+        <p:txBody>
+          <a:bodyPr/>
+          <a:lstStyle>
+            <a:lvl1pPr>
+              <a:defRPr sz="1800"/>
+            </a:lvl1pPr>
+          </a:lstStyle>
+          <a:p>
+            <a:pPr algn="r"/>
+            <a:fld id="{9F8B1634-8D81-4B56-95D2-A5CBC1A79323}" type="slidenum">
+              <a:rPr lang="ja-JP" altLang="en-US" smtClean="0"/>
+              <a:pPr algn="r"/>
+              <a:t>‹#›</a:t>
+            </a:fld>
+            <a:endParaRPr lang="ja-JP" altLang="en-US" dirty="0"/>
+          </a:p>
+        </p:txBody>
+      </p:sp>
     </p:spTree>
     <p:extLst>
       <p:ext uri="{BB962C8B-B14F-4D97-AF65-F5344CB8AC3E}">
@@ -1809,7 +1842,7 @@
           <a:p>
             <a:fld id="{D988C23A-5C06-4CA2-877E-EDAD5F1C32FF}" type="datetime1">
               <a:rPr kumimoji="1" lang="ja-JP" altLang="en-US" smtClean="0"/>
-              <a:t>2017/8/8</a:t>
+              <a:t>2018/4/10</a:t>
             </a:fld>
             <a:endParaRPr kumimoji="1" lang="ja-JP" altLang="en-US"/>
           </a:p>

--- a/slide_template.pptx
+++ b/slide_template.pptx
@@ -5,14 +5,15 @@
     <p:sldMasterId id="2147483648" r:id="rId1"/>
   </p:sldMasterIdLst>
   <p:notesMasterIdLst>
-    <p:notesMasterId r:id="rId4"/>
+    <p:notesMasterId r:id="rId5"/>
   </p:notesMasterIdLst>
   <p:handoutMasterIdLst>
-    <p:handoutMasterId r:id="rId5"/>
+    <p:handoutMasterId r:id="rId6"/>
   </p:handoutMasterIdLst>
   <p:sldIdLst>
-    <p:sldId id="257" r:id="rId2"/>
-    <p:sldId id="454" r:id="rId3"/>
+    <p:sldId id="256" r:id="rId2"/>
+    <p:sldId id="257" r:id="rId3"/>
+    <p:sldId id="258" r:id="rId4"/>
   </p:sldIdLst>
   <p:sldSz cx="9144000" cy="6858000" type="screen4x3"/>
   <p:notesSz cx="6797675" cy="9926638"/>
@@ -116,8 +117,9 @@
       <p14:sectionLst xmlns:p14="http://schemas.microsoft.com/office/powerpoint/2010/main">
         <p14:section name="本文" id="{192A42C5-6281-4F57-8187-445655017C07}">
           <p14:sldIdLst>
+            <p14:sldId id="256"/>
             <p14:sldId id="257"/>
-            <p14:sldId id="454"/>
+            <p14:sldId id="258"/>
           </p14:sldIdLst>
         </p14:section>
       </p14:sectionLst>
@@ -157,11 +159,7 @@
 <file path=ppt/commentAuthors.xml><?xml version="1.0" encoding="utf-8"?>
 <p:cmAuthorLst xmlns:a="http://schemas.openxmlformats.org/drawingml/2006/main" xmlns:r="http://schemas.openxmlformats.org/officeDocument/2006/relationships" xmlns:p="http://schemas.openxmlformats.org/presentationml/2006/main">
   <p:cmAuthor id="1" name="Tsukasa Yoshida" initials="TY" lastIdx="6" clrIdx="0">
-    <p:extLst>
-      <p:ext uri="{19B8F6BF-5375-455C-9EA6-DF929625EA0E}">
-        <p15:presenceInfo xmlns:p15="http://schemas.microsoft.com/office/powerpoint/2012/main" userId="ae635bb41f228e4b" providerId="Windows Live"/>
-      </p:ext>
-    </p:extLst>
+    <p:extLst/>
   </p:cmAuthor>
 </p:cmAuthorLst>
 </file>
@@ -248,7 +246,7 @@
           <a:p>
             <a:fld id="{6BD09C2E-B017-4D1F-A4D6-74A36763CD4A}" type="datetimeFigureOut">
               <a:rPr kumimoji="1" lang="ja-JP" altLang="en-US" smtClean="0"/>
-              <a:t>2018/4/10</a:t>
+              <a:t>2018/12/29</a:t>
             </a:fld>
             <a:endParaRPr kumimoji="1" lang="ja-JP" altLang="en-US"/>
           </a:p>
@@ -329,34 +327,6 @@
   </p:cSld>
   <p:clrMap bg1="lt1" tx1="dk1" bg2="lt2" tx2="dk2" accent1="accent1" accent2="accent2" accent3="accent3" accent4="accent4" accent5="accent5" accent6="accent6" hlink="hlink" folHlink="folHlink"/>
 </p:handoutMaster>
-</file>
-
-<file path=ppt/ink/ink1.xml><?xml version="1.0" encoding="utf-8"?>
-<inkml:ink xmlns:inkml="http://www.w3.org/2003/InkML">
-  <inkml:definitions>
-    <inkml:context xml:id="ctx0">
-      <inkml:inkSource xml:id="inkSrc0">
-        <inkml:traceFormat>
-          <inkml:channel name="X" type="integer" max="1366" units="cm"/>
-          <inkml:channel name="Y" type="integer" max="768" units="cm"/>
-          <inkml:channel name="T" type="integer" max="2.14748E9" units="dev"/>
-        </inkml:traceFormat>
-        <inkml:channelProperties>
-          <inkml:channelProperty channel="X" name="resolution" value="53.35938" units="1/cm"/>
-          <inkml:channelProperty channel="Y" name="resolution" value="53.33333" units="1/cm"/>
-          <inkml:channelProperty channel="T" name="resolution" value="1" units="1/dev"/>
-        </inkml:channelProperties>
-      </inkml:inkSource>
-      <inkml:timestamp xml:id="ts0" timeString="2017-04-23T18:11:15.242"/>
-    </inkml:context>
-    <inkml:brush xml:id="br0">
-      <inkml:brushProperty name="width" value="0.05292" units="cm"/>
-      <inkml:brushProperty name="height" value="0.05292" units="cm"/>
-      <inkml:brushProperty name="color" value="#FF0000"/>
-    </inkml:brush>
-  </inkml:definitions>
-  <inkml:trace contextRef="#ctx0" brushRef="#br0">12179 7144 0</inkml:trace>
-</inkml:ink>
 </file>
 
 <file path=ppt/notesMasters/notesMaster1.xml><?xml version="1.0" encoding="utf-8"?>
@@ -441,7 +411,7 @@
           <a:p>
             <a:fld id="{E8105437-CC62-4088-AC22-8C6CC8E783A0}" type="datetimeFigureOut">
               <a:rPr kumimoji="1" lang="ja-JP" altLang="en-US" smtClean="0"/>
-              <a:t>2018/4/10</a:t>
+              <a:t>2018/12/29</a:t>
             </a:fld>
             <a:endParaRPr kumimoji="1" lang="ja-JP" altLang="en-US"/>
           </a:p>
@@ -740,174 +710,6 @@
 </p:notesMaster>
 </file>
 
-<file path=ppt/notesSlides/notesSlide1.xml><?xml version="1.0" encoding="utf-8"?>
-<p:notes xmlns:a="http://schemas.openxmlformats.org/drawingml/2006/main" xmlns:r="http://schemas.openxmlformats.org/officeDocument/2006/relationships" xmlns:p="http://schemas.openxmlformats.org/presentationml/2006/main">
-  <p:cSld>
-    <p:spTree>
-      <p:nvGrpSpPr>
-        <p:cNvPr id="1" name=""/>
-        <p:cNvGrpSpPr/>
-        <p:nvPr/>
-      </p:nvGrpSpPr>
-      <p:grpSpPr>
-        <a:xfrm>
-          <a:off x="0" y="0"/>
-          <a:ext cx="0" cy="0"/>
-          <a:chOff x="0" y="0"/>
-          <a:chExt cx="0" cy="0"/>
-        </a:xfrm>
-      </p:grpSpPr>
-      <p:sp>
-        <p:nvSpPr>
-          <p:cNvPr id="2" name="スライド イメージ プレースホルダー 1"/>
-          <p:cNvSpPr>
-            <a:spLocks noGrp="1" noRot="1" noChangeAspect="1"/>
-          </p:cNvSpPr>
-          <p:nvPr>
-            <p:ph type="sldImg"/>
-          </p:nvPr>
-        </p:nvSpPr>
-        <p:spPr/>
-      </p:sp>
-      <p:sp>
-        <p:nvSpPr>
-          <p:cNvPr id="3" name="ノート プレースホルダー 2"/>
-          <p:cNvSpPr>
-            <a:spLocks noGrp="1"/>
-          </p:cNvSpPr>
-          <p:nvPr>
-            <p:ph type="body" idx="1"/>
-          </p:nvPr>
-        </p:nvSpPr>
-        <p:spPr/>
-        <p:txBody>
-          <a:bodyPr/>
-          <a:lstStyle/>
-          <a:p>
-            <a:endParaRPr kumimoji="1" lang="ja-JP" altLang="en-US"/>
-          </a:p>
-        </p:txBody>
-      </p:sp>
-      <p:sp>
-        <p:nvSpPr>
-          <p:cNvPr id="4" name="スライド番号プレースホルダー 3"/>
-          <p:cNvSpPr>
-            <a:spLocks noGrp="1"/>
-          </p:cNvSpPr>
-          <p:nvPr>
-            <p:ph type="sldNum" sz="quarter" idx="10"/>
-          </p:nvPr>
-        </p:nvSpPr>
-        <p:spPr/>
-        <p:txBody>
-          <a:bodyPr/>
-          <a:lstStyle/>
-          <a:p>
-            <a:fld id="{864C0204-F8D7-47D7-9CA9-66B34E182767}" type="slidenum">
-              <a:rPr kumimoji="1" lang="ja-JP" altLang="en-US" smtClean="0"/>
-              <a:t>1</a:t>
-            </a:fld>
-            <a:endParaRPr kumimoji="1" lang="ja-JP" altLang="en-US"/>
-          </a:p>
-        </p:txBody>
-      </p:sp>
-    </p:spTree>
-    <p:extLst>
-      <p:ext uri="{BB962C8B-B14F-4D97-AF65-F5344CB8AC3E}">
-        <p14:creationId xmlns:p14="http://schemas.microsoft.com/office/powerpoint/2010/main" val="2065480082"/>
-      </p:ext>
-    </p:extLst>
-  </p:cSld>
-  <p:clrMapOvr>
-    <a:masterClrMapping/>
-  </p:clrMapOvr>
-</p:notes>
-</file>
-
-<file path=ppt/notesSlides/notesSlide2.xml><?xml version="1.0" encoding="utf-8"?>
-<p:notes xmlns:a="http://schemas.openxmlformats.org/drawingml/2006/main" xmlns:r="http://schemas.openxmlformats.org/officeDocument/2006/relationships" xmlns:p="http://schemas.openxmlformats.org/presentationml/2006/main">
-  <p:cSld>
-    <p:spTree>
-      <p:nvGrpSpPr>
-        <p:cNvPr id="1" name=""/>
-        <p:cNvGrpSpPr/>
-        <p:nvPr/>
-      </p:nvGrpSpPr>
-      <p:grpSpPr>
-        <a:xfrm>
-          <a:off x="0" y="0"/>
-          <a:ext cx="0" cy="0"/>
-          <a:chOff x="0" y="0"/>
-          <a:chExt cx="0" cy="0"/>
-        </a:xfrm>
-      </p:grpSpPr>
-      <p:sp>
-        <p:nvSpPr>
-          <p:cNvPr id="2" name="スライド イメージ プレースホルダー 1"/>
-          <p:cNvSpPr>
-            <a:spLocks noGrp="1" noRot="1" noChangeAspect="1"/>
-          </p:cNvSpPr>
-          <p:nvPr>
-            <p:ph type="sldImg"/>
-          </p:nvPr>
-        </p:nvSpPr>
-        <p:spPr/>
-      </p:sp>
-      <p:sp>
-        <p:nvSpPr>
-          <p:cNvPr id="3" name="ノート プレースホルダー 2"/>
-          <p:cNvSpPr>
-            <a:spLocks noGrp="1"/>
-          </p:cNvSpPr>
-          <p:nvPr>
-            <p:ph type="body" idx="1"/>
-          </p:nvPr>
-        </p:nvSpPr>
-        <p:spPr/>
-        <p:txBody>
-          <a:bodyPr/>
-          <a:lstStyle/>
-          <a:p>
-            <a:endParaRPr kumimoji="1" lang="ja-JP" altLang="en-US" dirty="0"/>
-          </a:p>
-        </p:txBody>
-      </p:sp>
-      <p:sp>
-        <p:nvSpPr>
-          <p:cNvPr id="4" name="スライド番号プレースホルダー 3"/>
-          <p:cNvSpPr>
-            <a:spLocks noGrp="1"/>
-          </p:cNvSpPr>
-          <p:nvPr>
-            <p:ph type="sldNum" sz="quarter" idx="10"/>
-          </p:nvPr>
-        </p:nvSpPr>
-        <p:spPr/>
-        <p:txBody>
-          <a:bodyPr/>
-          <a:lstStyle/>
-          <a:p>
-            <a:fld id="{864C0204-F8D7-47D7-9CA9-66B34E182767}" type="slidenum">
-              <a:rPr kumimoji="1" lang="ja-JP" altLang="en-US" smtClean="0"/>
-              <a:t>2</a:t>
-            </a:fld>
-            <a:endParaRPr kumimoji="1" lang="ja-JP" altLang="en-US"/>
-          </a:p>
-        </p:txBody>
-      </p:sp>
-    </p:spTree>
-    <p:extLst>
-      <p:ext uri="{BB962C8B-B14F-4D97-AF65-F5344CB8AC3E}">
-        <p14:creationId xmlns:p14="http://schemas.microsoft.com/office/powerpoint/2010/main" val="3081968930"/>
-      </p:ext>
-    </p:extLst>
-  </p:cSld>
-  <p:clrMapOvr>
-    <a:masterClrMapping/>
-  </p:clrMapOvr>
-</p:notes>
-</file>
-
 <file path=ppt/slideLayouts/slideLayout1.xml><?xml version="1.0" encoding="utf-8"?>
 <p:sldLayout xmlns:a="http://schemas.openxmlformats.org/drawingml/2006/main" xmlns:r="http://schemas.openxmlformats.org/officeDocument/2006/relationships" xmlns:p="http://schemas.openxmlformats.org/presentationml/2006/main" preserve="1" userDrawn="1">
   <p:cSld name="タイトル スライド">
@@ -937,7 +739,7 @@
         </p:nvSpPr>
         <p:spPr>
           <a:xfrm>
-            <a:off x="1143346" y="4119215"/>
+            <a:off x="685800" y="2060848"/>
             <a:ext cx="7772400" cy="1974081"/>
           </a:xfrm>
         </p:spPr>
@@ -971,7 +773,7 @@
         </p:nvSpPr>
         <p:spPr bwMode="white">
           <a:xfrm>
-            <a:off x="3048" y="5998416"/>
+            <a:off x="3048" y="5782392"/>
             <a:ext cx="9144000" cy="886968"/>
           </a:xfrm>
           <a:prstGeom prst="rect">
@@ -1011,14 +813,135 @@
       </p:sp>
       <p:sp>
         <p:nvSpPr>
-          <p:cNvPr id="8" name="Rectangle 9"/>
+          <p:cNvPr id="12" name="Subtitle 8"/>
+          <p:cNvSpPr>
+            <a:spLocks noGrp="1"/>
+          </p:cNvSpPr>
+          <p:nvPr>
+            <p:ph type="subTitle" idx="1"/>
+          </p:nvPr>
+        </p:nvSpPr>
+        <p:spPr>
+          <a:xfrm>
+            <a:off x="1752600" y="4222860"/>
+            <a:ext cx="6705600" cy="685800"/>
+          </a:xfrm>
+        </p:spPr>
+        <p:txBody>
+          <a:bodyPr anchor="ctr">
+            <a:normAutofit/>
+          </a:bodyPr>
+          <a:lstStyle>
+            <a:lvl1pPr marL="0" indent="0" algn="r" latinLnBrk="0">
+              <a:buNone/>
+              <a:defRPr kumimoji="1" lang="ja-JP" sz="2600">
+                <a:solidFill>
+                  <a:schemeClr val="tx1"/>
+                </a:solidFill>
+              </a:defRPr>
+            </a:lvl1pPr>
+            <a:lvl2pPr marL="457200" indent="0" algn="ctr">
+              <a:buNone/>
+            </a:lvl2pPr>
+            <a:lvl3pPr marL="914400" indent="0" algn="ctr">
+              <a:buNone/>
+            </a:lvl3pPr>
+            <a:lvl4pPr marL="1371600" indent="0" algn="ctr">
+              <a:buNone/>
+            </a:lvl4pPr>
+            <a:lvl5pPr marL="1828800" indent="0" algn="ctr">
+              <a:buNone/>
+            </a:lvl5pPr>
+            <a:lvl6pPr marL="2286000" indent="0" algn="ctr">
+              <a:buNone/>
+            </a:lvl6pPr>
+            <a:lvl7pPr marL="2743200" indent="0" algn="ctr">
+              <a:buNone/>
+            </a:lvl7pPr>
+            <a:lvl8pPr marL="3200400" indent="0" algn="ctr">
+              <a:buNone/>
+            </a:lvl8pPr>
+            <a:lvl9pPr marL="3657600" indent="0" algn="ctr">
+              <a:buNone/>
+            </a:lvl9pPr>
+          </a:lstStyle>
+          <a:p>
+            <a:r>
+              <a:rPr kumimoji="1" lang="ja-JP" altLang="en-US" dirty="0"/>
+              <a:t>マスター サブタイトルの書式設定</a:t>
+            </a:r>
+            <a:endParaRPr kumimoji="1" lang="ja-JP" dirty="0"/>
+          </a:p>
+        </p:txBody>
+      </p:sp>
+      <p:sp>
+        <p:nvSpPr>
+          <p:cNvPr id="11" name="Rectangle 6">
+            <a:extLst>
+              <a:ext uri="{FF2B5EF4-FFF2-40B4-BE49-F238E27FC236}">
+                <a16:creationId xmlns:a16="http://schemas.microsoft.com/office/drawing/2014/main" id="{6FDF8554-8839-4093-9695-73435E0179B9}"/>
+              </a:ext>
+            </a:extLst>
+          </p:cNvPr>
           <p:cNvSpPr/>
           <p:nvPr userDrawn="1"/>
         </p:nvSpPr>
+        <p:spPr bwMode="white">
+          <a:xfrm>
+            <a:off x="0" y="6565344"/>
+            <a:ext cx="9144000" cy="320040"/>
+          </a:xfrm>
+          <a:prstGeom prst="rect">
+            <a:avLst/>
+          </a:prstGeom>
+          <a:solidFill>
+            <a:srgbClr val="FFFFFF"/>
+          </a:solidFill>
+          <a:ln w="50800" cap="rnd" cmpd="dbl" algn="ctr">
+            <a:noFill/>
+            <a:prstDash val="solid"/>
+          </a:ln>
+          <a:effectLst/>
+        </p:spPr>
+        <p:style>
+          <a:lnRef idx="3">
+            <a:schemeClr val="lt1"/>
+          </a:lnRef>
+          <a:fillRef idx="1">
+            <a:schemeClr val="accent1"/>
+          </a:fillRef>
+          <a:effectRef idx="1">
+            <a:schemeClr val="accent1"/>
+          </a:effectRef>
+          <a:fontRef idx="minor">
+            <a:schemeClr val="lt1"/>
+          </a:fontRef>
+        </p:style>
+        <p:txBody>
+          <a:bodyPr anchor="ctr"/>
+          <a:lstStyle/>
+          <a:p>
+            <a:pPr algn="ctr" eaLnBrk="1" latinLnBrk="0" hangingPunct="1"/>
+            <a:endParaRPr kumimoji="1" lang="ja-JP"/>
+          </a:p>
+        </p:txBody>
+      </p:sp>
+      <p:sp>
+        <p:nvSpPr>
+          <p:cNvPr id="13" name="Rectangle 7">
+            <a:extLst>
+              <a:ext uri="{FF2B5EF4-FFF2-40B4-BE49-F238E27FC236}">
+                <a16:creationId xmlns:a16="http://schemas.microsoft.com/office/drawing/2014/main" id="{93C1B7F6-501D-427D-8894-0A5D89CC22A5}"/>
+              </a:ext>
+            </a:extLst>
+          </p:cNvPr>
+          <p:cNvSpPr/>
+          <p:nvPr userDrawn="1"/>
+        </p:nvSpPr>
         <p:spPr>
           <a:xfrm>
-            <a:off x="-6096" y="6080712"/>
-            <a:ext cx="2249424" cy="713232"/>
+            <a:off x="0" y="5872648"/>
+            <a:ext cx="655983" cy="692696"/>
           </a:xfrm>
           <a:prstGeom prst="rect">
             <a:avLst/>
@@ -1059,375 +982,19 @@
       </p:sp>
       <p:sp>
         <p:nvSpPr>
-          <p:cNvPr id="10" name="Subtitle 8"/>
-          <p:cNvSpPr txBox="1">
-            <a:spLocks/>
-          </p:cNvSpPr>
+          <p:cNvPr id="14" name="Rectangle 8">
+            <a:extLst>
+              <a:ext uri="{FF2B5EF4-FFF2-40B4-BE49-F238E27FC236}">
+                <a16:creationId xmlns:a16="http://schemas.microsoft.com/office/drawing/2014/main" id="{9591129C-E898-4F8D-A068-86A4D338F7D7}"/>
+              </a:ext>
+            </a:extLst>
+          </p:cNvPr>
+          <p:cNvSpPr/>
           <p:nvPr userDrawn="1"/>
         </p:nvSpPr>
         <p:spPr>
           <a:xfrm>
-            <a:off x="2339752" y="6080712"/>
-            <a:ext cx="6809925" cy="696954"/>
-          </a:xfrm>
-          <a:prstGeom prst="rect">
-            <a:avLst/>
-          </a:prstGeom>
-          <a:solidFill>
-            <a:schemeClr val="accent1">
-              <a:lumMod val="75000"/>
-            </a:schemeClr>
-          </a:solidFill>
-        </p:spPr>
-        <p:txBody>
-          <a:bodyPr vert="horz" lIns="91440" tIns="45720" rIns="91440" bIns="45720" rtlCol="0" anchor="ctr">
-            <a:normAutofit/>
-          </a:bodyPr>
-          <a:lstStyle>
-            <a:lvl1pPr marL="0" indent="0" algn="l" defTabSz="914400" rtl="0" eaLnBrk="1" latinLnBrk="0" hangingPunct="1">
-              <a:spcBef>
-                <a:spcPct val="20000"/>
-              </a:spcBef>
-              <a:buFont typeface="Arial" panose="020B0604020202020204" pitchFamily="34" charset="0"/>
-              <a:buNone/>
-              <a:defRPr kumimoji="1" lang="ja-JP" sz="2600" kern="1200">
-                <a:solidFill>
-                  <a:srgbClr val="FFFFFF"/>
-                </a:solidFill>
-                <a:latin typeface="+mn-lt"/>
-                <a:ea typeface="+mn-ea"/>
-                <a:cs typeface="+mn-cs"/>
-              </a:defRPr>
-            </a:lvl1pPr>
-            <a:lvl2pPr marL="457200" indent="0" algn="ctr" defTabSz="914400" rtl="0" eaLnBrk="1" latinLnBrk="0" hangingPunct="1">
-              <a:spcBef>
-                <a:spcPct val="20000"/>
-              </a:spcBef>
-              <a:buFont typeface="Arial" panose="020B0604020202020204" pitchFamily="34" charset="0"/>
-              <a:buNone/>
-              <a:defRPr kumimoji="1" sz="2800" kern="1200">
-                <a:solidFill>
-                  <a:schemeClr val="tx1"/>
-                </a:solidFill>
-                <a:latin typeface="+mn-lt"/>
-                <a:ea typeface="+mn-ea"/>
-                <a:cs typeface="+mn-cs"/>
-              </a:defRPr>
-            </a:lvl2pPr>
-            <a:lvl3pPr marL="914400" indent="0" algn="ctr" defTabSz="914400" rtl="0" eaLnBrk="1" latinLnBrk="0" hangingPunct="1">
-              <a:spcBef>
-                <a:spcPct val="20000"/>
-              </a:spcBef>
-              <a:buFont typeface="Arial" panose="020B0604020202020204" pitchFamily="34" charset="0"/>
-              <a:buNone/>
-              <a:defRPr kumimoji="1" sz="2400" kern="1200">
-                <a:solidFill>
-                  <a:schemeClr val="tx1"/>
-                </a:solidFill>
-                <a:latin typeface="+mn-lt"/>
-                <a:ea typeface="+mn-ea"/>
-                <a:cs typeface="+mn-cs"/>
-              </a:defRPr>
-            </a:lvl3pPr>
-            <a:lvl4pPr marL="1371600" indent="0" algn="ctr" defTabSz="914400" rtl="0" eaLnBrk="1" latinLnBrk="0" hangingPunct="1">
-              <a:spcBef>
-                <a:spcPct val="20000"/>
-              </a:spcBef>
-              <a:buFont typeface="Arial" panose="020B0604020202020204" pitchFamily="34" charset="0"/>
-              <a:buNone/>
-              <a:defRPr kumimoji="1" sz="2000" kern="1200">
-                <a:solidFill>
-                  <a:schemeClr val="tx1"/>
-                </a:solidFill>
-                <a:latin typeface="+mn-lt"/>
-                <a:ea typeface="+mn-ea"/>
-                <a:cs typeface="+mn-cs"/>
-              </a:defRPr>
-            </a:lvl4pPr>
-            <a:lvl5pPr marL="1828800" indent="0" algn="ctr" defTabSz="914400" rtl="0" eaLnBrk="1" latinLnBrk="0" hangingPunct="1">
-              <a:spcBef>
-                <a:spcPct val="20000"/>
-              </a:spcBef>
-              <a:buFont typeface="Arial" panose="020B0604020202020204" pitchFamily="34" charset="0"/>
-              <a:buNone/>
-              <a:defRPr kumimoji="1" sz="2000" kern="1200">
-                <a:solidFill>
-                  <a:schemeClr val="tx1"/>
-                </a:solidFill>
-                <a:latin typeface="+mn-lt"/>
-                <a:ea typeface="+mn-ea"/>
-                <a:cs typeface="+mn-cs"/>
-              </a:defRPr>
-            </a:lvl5pPr>
-            <a:lvl6pPr marL="2286000" indent="0" algn="ctr" defTabSz="914400" rtl="0" eaLnBrk="1" latinLnBrk="0" hangingPunct="1">
-              <a:spcBef>
-                <a:spcPct val="20000"/>
-              </a:spcBef>
-              <a:buFont typeface="Arial" panose="020B0604020202020204" pitchFamily="34" charset="0"/>
-              <a:buNone/>
-              <a:defRPr kumimoji="1" sz="2000" kern="1200">
-                <a:solidFill>
-                  <a:schemeClr val="tx1"/>
-                </a:solidFill>
-                <a:latin typeface="+mn-lt"/>
-                <a:ea typeface="+mn-ea"/>
-                <a:cs typeface="+mn-cs"/>
-              </a:defRPr>
-            </a:lvl6pPr>
-            <a:lvl7pPr marL="2743200" indent="0" algn="ctr" defTabSz="914400" rtl="0" eaLnBrk="1" latinLnBrk="0" hangingPunct="1">
-              <a:spcBef>
-                <a:spcPct val="20000"/>
-              </a:spcBef>
-              <a:buFont typeface="Arial" panose="020B0604020202020204" pitchFamily="34" charset="0"/>
-              <a:buNone/>
-              <a:defRPr kumimoji="1" sz="2000" kern="1200">
-                <a:solidFill>
-                  <a:schemeClr val="tx1"/>
-                </a:solidFill>
-                <a:latin typeface="+mn-lt"/>
-                <a:ea typeface="+mn-ea"/>
-                <a:cs typeface="+mn-cs"/>
-              </a:defRPr>
-            </a:lvl7pPr>
-            <a:lvl8pPr marL="3200400" indent="0" algn="ctr" defTabSz="914400" rtl="0" eaLnBrk="1" latinLnBrk="0" hangingPunct="1">
-              <a:spcBef>
-                <a:spcPct val="20000"/>
-              </a:spcBef>
-              <a:buFont typeface="Arial" panose="020B0604020202020204" pitchFamily="34" charset="0"/>
-              <a:buNone/>
-              <a:defRPr kumimoji="1" sz="2000" kern="1200">
-                <a:solidFill>
-                  <a:schemeClr val="tx1"/>
-                </a:solidFill>
-                <a:latin typeface="+mn-lt"/>
-                <a:ea typeface="+mn-ea"/>
-                <a:cs typeface="+mn-cs"/>
-              </a:defRPr>
-            </a:lvl8pPr>
-            <a:lvl9pPr marL="3657600" indent="0" algn="ctr" defTabSz="914400" rtl="0" eaLnBrk="1" latinLnBrk="0" hangingPunct="1">
-              <a:spcBef>
-                <a:spcPct val="20000"/>
-              </a:spcBef>
-              <a:buFont typeface="Arial" panose="020B0604020202020204" pitchFamily="34" charset="0"/>
-              <a:buNone/>
-              <a:defRPr kumimoji="1" sz="2000" kern="1200">
-                <a:solidFill>
-                  <a:schemeClr val="tx1"/>
-                </a:solidFill>
-                <a:latin typeface="+mn-lt"/>
-                <a:ea typeface="+mn-ea"/>
-                <a:cs typeface="+mn-cs"/>
-              </a:defRPr>
-            </a:lvl9pPr>
-          </a:lstStyle>
-          <a:p>
-            <a:pPr algn="r"/>
-            <a:endParaRPr lang="ja-JP" altLang="en-US" dirty="0">
-              <a:latin typeface="Times New Roman" panose="02020603050405020304" pitchFamily="18" charset="0"/>
-              <a:ea typeface="メイリオ" panose="020B0604030504040204" pitchFamily="50" charset="-128"/>
-              <a:cs typeface="Times New Roman" panose="02020603050405020304" pitchFamily="18" charset="0"/>
-            </a:endParaRPr>
-          </a:p>
-        </p:txBody>
-      </p:sp>
-      <p:sp>
-        <p:nvSpPr>
-          <p:cNvPr id="12" name="Subtitle 8"/>
-          <p:cNvSpPr>
-            <a:spLocks noGrp="1"/>
-          </p:cNvSpPr>
-          <p:nvPr>
-            <p:ph type="subTitle" idx="1"/>
-          </p:nvPr>
-        </p:nvSpPr>
-        <p:spPr>
-          <a:xfrm>
-            <a:off x="2391914" y="6093296"/>
-            <a:ext cx="6705600" cy="685800"/>
-          </a:xfrm>
-        </p:spPr>
-        <p:txBody>
-          <a:bodyPr anchor="ctr">
-            <a:normAutofit/>
-          </a:bodyPr>
-          <a:lstStyle>
-            <a:lvl1pPr marL="0" indent="0" algn="r" latinLnBrk="0">
-              <a:buNone/>
-              <a:defRPr kumimoji="1" lang="ja-JP" sz="2600">
-                <a:solidFill>
-                  <a:srgbClr val="FFFFFF"/>
-                </a:solidFill>
-                <a:latin typeface="メイリオ" panose="020B0604030504040204" pitchFamily="50" charset="-128"/>
-                <a:ea typeface="メイリオ" panose="020B0604030504040204" pitchFamily="50" charset="-128"/>
-              </a:defRPr>
-            </a:lvl1pPr>
-            <a:lvl2pPr marL="457200" indent="0" algn="ctr">
-              <a:buNone/>
-            </a:lvl2pPr>
-            <a:lvl3pPr marL="914400" indent="0" algn="ctr">
-              <a:buNone/>
-            </a:lvl3pPr>
-            <a:lvl4pPr marL="1371600" indent="0" algn="ctr">
-              <a:buNone/>
-            </a:lvl4pPr>
-            <a:lvl5pPr marL="1828800" indent="0" algn="ctr">
-              <a:buNone/>
-            </a:lvl5pPr>
-            <a:lvl6pPr marL="2286000" indent="0" algn="ctr">
-              <a:buNone/>
-            </a:lvl6pPr>
-            <a:lvl7pPr marL="2743200" indent="0" algn="ctr">
-              <a:buNone/>
-            </a:lvl7pPr>
-            <a:lvl8pPr marL="3200400" indent="0" algn="ctr">
-              <a:buNone/>
-            </a:lvl8pPr>
-            <a:lvl9pPr marL="3657600" indent="0" algn="ctr">
-              <a:buNone/>
-            </a:lvl9pPr>
-          </a:lstStyle>
-          <a:p>
-            <a:r>
-              <a:rPr kumimoji="1" lang="ja-JP" altLang="en-US" dirty="0"/>
-              <a:t>マスター サブタイトルの書式設定</a:t>
-            </a:r>
-            <a:endParaRPr kumimoji="1" lang="ja-JP" dirty="0"/>
-          </a:p>
-        </p:txBody>
-      </p:sp>
-    </p:spTree>
-    <p:extLst>
-      <p:ext uri="{BB962C8B-B14F-4D97-AF65-F5344CB8AC3E}">
-        <p14:creationId xmlns:p14="http://schemas.microsoft.com/office/powerpoint/2010/main" val="41658843"/>
-      </p:ext>
-    </p:extLst>
-  </p:cSld>
-  <p:clrMapOvr>
-    <a:masterClrMapping/>
-  </p:clrMapOvr>
-</p:sldLayout>
-</file>
-
-<file path=ppt/slideLayouts/slideLayout2.xml><?xml version="1.0" encoding="utf-8"?>
-<p:sldLayout xmlns:a="http://schemas.openxmlformats.org/drawingml/2006/main" xmlns:r="http://schemas.openxmlformats.org/officeDocument/2006/relationships" xmlns:p="http://schemas.openxmlformats.org/presentationml/2006/main" preserve="1" userDrawn="1">
-  <p:cSld name="タイトルとコンテンツ">
-    <p:spTree>
-      <p:nvGrpSpPr>
-        <p:cNvPr id="1" name=""/>
-        <p:cNvGrpSpPr/>
-        <p:nvPr/>
-      </p:nvGrpSpPr>
-      <p:grpSpPr>
-        <a:xfrm>
-          <a:off x="0" y="0"/>
-          <a:ext cx="0" cy="0"/>
-          <a:chOff x="0" y="0"/>
-          <a:chExt cx="0" cy="0"/>
-        </a:xfrm>
-      </p:grpSpPr>
-      <p:sp>
-        <p:nvSpPr>
-          <p:cNvPr id="7" name="Rectangle 6"/>
-          <p:cNvSpPr/>
-          <p:nvPr userDrawn="1"/>
-        </p:nvSpPr>
-        <p:spPr bwMode="white">
-          <a:xfrm>
-            <a:off x="0" y="804704"/>
-            <a:ext cx="9144000" cy="320040"/>
-          </a:xfrm>
-          <a:prstGeom prst="rect">
-            <a:avLst/>
-          </a:prstGeom>
-          <a:solidFill>
-            <a:srgbClr val="FFFFFF"/>
-          </a:solidFill>
-          <a:ln w="50800" cap="rnd" cmpd="dbl" algn="ctr">
-            <a:noFill/>
-            <a:prstDash val="solid"/>
-          </a:ln>
-          <a:effectLst/>
-        </p:spPr>
-        <p:style>
-          <a:lnRef idx="3">
-            <a:schemeClr val="lt1"/>
-          </a:lnRef>
-          <a:fillRef idx="1">
-            <a:schemeClr val="accent1"/>
-          </a:fillRef>
-          <a:effectRef idx="1">
-            <a:schemeClr val="accent1"/>
-          </a:effectRef>
-          <a:fontRef idx="minor">
-            <a:schemeClr val="lt1"/>
-          </a:fontRef>
-        </p:style>
-        <p:txBody>
-          <a:bodyPr anchor="ctr"/>
-          <a:lstStyle/>
-          <a:p>
-            <a:pPr algn="ctr" eaLnBrk="1" latinLnBrk="0" hangingPunct="1"/>
-            <a:endParaRPr kumimoji="1" lang="ja-JP"/>
-          </a:p>
-        </p:txBody>
-      </p:sp>
-      <p:sp>
-        <p:nvSpPr>
-          <p:cNvPr id="8" name="Rectangle 7"/>
-          <p:cNvSpPr/>
-          <p:nvPr userDrawn="1"/>
-        </p:nvSpPr>
-        <p:spPr>
-          <a:xfrm>
-            <a:off x="0" y="112008"/>
-            <a:ext cx="683568" cy="692696"/>
-          </a:xfrm>
-          <a:prstGeom prst="rect">
-            <a:avLst/>
-          </a:prstGeom>
-          <a:solidFill>
-            <a:schemeClr val="accent1">
-              <a:lumMod val="75000"/>
-            </a:schemeClr>
-          </a:solidFill>
-          <a:ln w="50800" cap="rnd" cmpd="dbl" algn="ctr">
-            <a:noFill/>
-            <a:prstDash val="solid"/>
-          </a:ln>
-          <a:effectLst/>
-        </p:spPr>
-        <p:style>
-          <a:lnRef idx="3">
-            <a:schemeClr val="lt1"/>
-          </a:lnRef>
-          <a:fillRef idx="1">
-            <a:schemeClr val="accent1"/>
-          </a:fillRef>
-          <a:effectRef idx="1">
-            <a:schemeClr val="accent1"/>
-          </a:effectRef>
-          <a:fontRef idx="minor">
-            <a:schemeClr val="lt1"/>
-          </a:fontRef>
-        </p:style>
-        <p:txBody>
-          <a:bodyPr anchor="ctr"/>
-          <a:lstStyle/>
-          <a:p>
-            <a:pPr algn="ctr" eaLnBrk="1" latinLnBrk="0" hangingPunct="1"/>
-            <a:endParaRPr kumimoji="1" lang="ja-JP"/>
-          </a:p>
-        </p:txBody>
-      </p:sp>
-      <p:sp>
-        <p:nvSpPr>
-          <p:cNvPr id="9" name="Rectangle 8"/>
-          <p:cNvSpPr/>
-          <p:nvPr userDrawn="1"/>
-        </p:nvSpPr>
-        <p:spPr>
-          <a:xfrm>
-            <a:off x="755576" y="112008"/>
+            <a:off x="755576" y="5872648"/>
             <a:ext cx="8388424" cy="692696"/>
           </a:xfrm>
           <a:prstGeom prst="rect">
@@ -1467,6 +1034,469 @@
           </a:p>
         </p:txBody>
       </p:sp>
+    </p:spTree>
+    <p:extLst>
+      <p:ext uri="{BB962C8B-B14F-4D97-AF65-F5344CB8AC3E}">
+        <p14:creationId xmlns:p14="http://schemas.microsoft.com/office/powerpoint/2010/main" val="41658843"/>
+      </p:ext>
+    </p:extLst>
+  </p:cSld>
+  <p:clrMapOvr>
+    <a:masterClrMapping/>
+  </p:clrMapOvr>
+</p:sldLayout>
+</file>
+
+<file path=ppt/slideLayouts/slideLayout2.xml><?xml version="1.0" encoding="utf-8"?>
+<p:sldLayout xmlns:a="http://schemas.openxmlformats.org/drawingml/2006/main" xmlns:r="http://schemas.openxmlformats.org/officeDocument/2006/relationships" xmlns:p="http://schemas.openxmlformats.org/presentationml/2006/main" preserve="1" userDrawn="1">
+  <p:cSld name="1_タイトル スライド">
+    <p:spTree>
+      <p:nvGrpSpPr>
+        <p:cNvPr id="1" name=""/>
+        <p:cNvGrpSpPr/>
+        <p:nvPr/>
+      </p:nvGrpSpPr>
+      <p:grpSpPr>
+        <a:xfrm>
+          <a:off x="0" y="0"/>
+          <a:ext cx="0" cy="0"/>
+          <a:chOff x="0" y="0"/>
+          <a:chExt cx="0" cy="0"/>
+        </a:xfrm>
+      </p:grpSpPr>
+      <p:sp>
+        <p:nvSpPr>
+          <p:cNvPr id="2" name="タイトル 1"/>
+          <p:cNvSpPr>
+            <a:spLocks noGrp="1"/>
+          </p:cNvSpPr>
+          <p:nvPr>
+            <p:ph type="ctrTitle"/>
+          </p:nvPr>
+        </p:nvSpPr>
+        <p:spPr>
+          <a:xfrm>
+            <a:off x="685800" y="2060848"/>
+            <a:ext cx="7772400" cy="1974081"/>
+          </a:xfrm>
+        </p:spPr>
+        <p:txBody>
+          <a:bodyPr/>
+          <a:lstStyle>
+            <a:lvl1pPr>
+              <a:defRPr>
+                <a:solidFill>
+                  <a:srgbClr val="333333"/>
+                </a:solidFill>
+                <a:latin typeface="メイリオ" panose="020B0604030504040204" pitchFamily="50" charset="-128"/>
+                <a:ea typeface="メイリオ" panose="020B0604030504040204" pitchFamily="50" charset="-128"/>
+                <a:cs typeface="メイリオ" panose="020B0604030504040204" pitchFamily="50" charset="-128"/>
+              </a:defRPr>
+            </a:lvl1pPr>
+          </a:lstStyle>
+          <a:p>
+            <a:r>
+              <a:rPr kumimoji="1" lang="ja-JP" altLang="en-US" dirty="0"/>
+              <a:t>マスター タイトルの書式設定</a:t>
+            </a:r>
+          </a:p>
+        </p:txBody>
+      </p:sp>
+      <p:sp>
+        <p:nvSpPr>
+          <p:cNvPr id="7" name="Rectangle 6"/>
+          <p:cNvSpPr/>
+          <p:nvPr userDrawn="1"/>
+        </p:nvSpPr>
+        <p:spPr bwMode="white">
+          <a:xfrm>
+            <a:off x="3048" y="5782392"/>
+            <a:ext cx="9144000" cy="886968"/>
+          </a:xfrm>
+          <a:prstGeom prst="rect">
+            <a:avLst/>
+          </a:prstGeom>
+          <a:solidFill>
+            <a:srgbClr val="FFFFFF"/>
+          </a:solidFill>
+          <a:ln w="50800" cap="rnd" cmpd="dbl" algn="ctr">
+            <a:noFill/>
+            <a:prstDash val="solid"/>
+          </a:ln>
+          <a:effectLst/>
+        </p:spPr>
+        <p:style>
+          <a:lnRef idx="3">
+            <a:schemeClr val="lt1"/>
+          </a:lnRef>
+          <a:fillRef idx="1">
+            <a:schemeClr val="accent1"/>
+          </a:fillRef>
+          <a:effectRef idx="1">
+            <a:schemeClr val="accent1"/>
+          </a:effectRef>
+          <a:fontRef idx="minor">
+            <a:schemeClr val="lt1"/>
+          </a:fontRef>
+        </p:style>
+        <p:txBody>
+          <a:bodyPr anchor="ctr"/>
+          <a:lstStyle/>
+          <a:p>
+            <a:pPr algn="ctr" eaLnBrk="1" latinLnBrk="0" hangingPunct="1"/>
+            <a:endParaRPr kumimoji="1" lang="ja-JP"/>
+          </a:p>
+        </p:txBody>
+      </p:sp>
+      <p:sp>
+        <p:nvSpPr>
+          <p:cNvPr id="12" name="Subtitle 8"/>
+          <p:cNvSpPr>
+            <a:spLocks noGrp="1"/>
+          </p:cNvSpPr>
+          <p:nvPr>
+            <p:ph type="subTitle" idx="1"/>
+          </p:nvPr>
+        </p:nvSpPr>
+        <p:spPr>
+          <a:xfrm>
+            <a:off x="1752600" y="4222860"/>
+            <a:ext cx="6705600" cy="685800"/>
+          </a:xfrm>
+        </p:spPr>
+        <p:txBody>
+          <a:bodyPr anchor="ctr">
+            <a:normAutofit/>
+          </a:bodyPr>
+          <a:lstStyle>
+            <a:lvl1pPr marL="0" indent="0" algn="r" latinLnBrk="0">
+              <a:buNone/>
+              <a:defRPr kumimoji="1" lang="ja-JP" sz="2600">
+                <a:solidFill>
+                  <a:schemeClr val="tx1"/>
+                </a:solidFill>
+              </a:defRPr>
+            </a:lvl1pPr>
+            <a:lvl2pPr marL="457200" indent="0" algn="ctr">
+              <a:buNone/>
+            </a:lvl2pPr>
+            <a:lvl3pPr marL="914400" indent="0" algn="ctr">
+              <a:buNone/>
+            </a:lvl3pPr>
+            <a:lvl4pPr marL="1371600" indent="0" algn="ctr">
+              <a:buNone/>
+            </a:lvl4pPr>
+            <a:lvl5pPr marL="1828800" indent="0" algn="ctr">
+              <a:buNone/>
+            </a:lvl5pPr>
+            <a:lvl6pPr marL="2286000" indent="0" algn="ctr">
+              <a:buNone/>
+            </a:lvl6pPr>
+            <a:lvl7pPr marL="2743200" indent="0" algn="ctr">
+              <a:buNone/>
+            </a:lvl7pPr>
+            <a:lvl8pPr marL="3200400" indent="0" algn="ctr">
+              <a:buNone/>
+            </a:lvl8pPr>
+            <a:lvl9pPr marL="3657600" indent="0" algn="ctr">
+              <a:buNone/>
+            </a:lvl9pPr>
+          </a:lstStyle>
+          <a:p>
+            <a:r>
+              <a:rPr kumimoji="1" lang="ja-JP" altLang="en-US" dirty="0"/>
+              <a:t>マスター サブタイトルの書式設定</a:t>
+            </a:r>
+            <a:endParaRPr kumimoji="1" lang="ja-JP" dirty="0"/>
+          </a:p>
+        </p:txBody>
+      </p:sp>
+      <p:sp>
+        <p:nvSpPr>
+          <p:cNvPr id="11" name="Rectangle 6">
+            <a:extLst>
+              <a:ext uri="{FF2B5EF4-FFF2-40B4-BE49-F238E27FC236}">
+                <a16:creationId xmlns:a16="http://schemas.microsoft.com/office/drawing/2014/main" id="{6FDF8554-8839-4093-9695-73435E0179B9}"/>
+              </a:ext>
+            </a:extLst>
+          </p:cNvPr>
+          <p:cNvSpPr/>
+          <p:nvPr userDrawn="1"/>
+        </p:nvSpPr>
+        <p:spPr bwMode="white">
+          <a:xfrm>
+            <a:off x="0" y="6565344"/>
+            <a:ext cx="9144000" cy="320040"/>
+          </a:xfrm>
+          <a:prstGeom prst="rect">
+            <a:avLst/>
+          </a:prstGeom>
+          <a:solidFill>
+            <a:srgbClr val="FFFFFF"/>
+          </a:solidFill>
+          <a:ln w="50800" cap="rnd" cmpd="dbl" algn="ctr">
+            <a:noFill/>
+            <a:prstDash val="solid"/>
+          </a:ln>
+          <a:effectLst/>
+        </p:spPr>
+        <p:style>
+          <a:lnRef idx="3">
+            <a:schemeClr val="lt1"/>
+          </a:lnRef>
+          <a:fillRef idx="1">
+            <a:schemeClr val="accent1"/>
+          </a:fillRef>
+          <a:effectRef idx="1">
+            <a:schemeClr val="accent1"/>
+          </a:effectRef>
+          <a:fontRef idx="minor">
+            <a:schemeClr val="lt1"/>
+          </a:fontRef>
+        </p:style>
+        <p:txBody>
+          <a:bodyPr anchor="ctr"/>
+          <a:lstStyle/>
+          <a:p>
+            <a:pPr algn="ctr" eaLnBrk="1" latinLnBrk="0" hangingPunct="1"/>
+            <a:endParaRPr kumimoji="1" lang="ja-JP"/>
+          </a:p>
+        </p:txBody>
+      </p:sp>
+      <p:sp>
+        <p:nvSpPr>
+          <p:cNvPr id="8" name="Rectangle 7">
+            <a:extLst>
+              <a:ext uri="{FF2B5EF4-FFF2-40B4-BE49-F238E27FC236}">
+                <a16:creationId xmlns:a16="http://schemas.microsoft.com/office/drawing/2014/main" id="{ACF0D2EB-9C45-440E-BE7B-A46200DA70BA}"/>
+              </a:ext>
+            </a:extLst>
+          </p:cNvPr>
+          <p:cNvSpPr/>
+          <p:nvPr userDrawn="1"/>
+        </p:nvSpPr>
+        <p:spPr>
+          <a:xfrm>
+            <a:off x="0" y="156720"/>
+            <a:ext cx="655983" cy="692696"/>
+          </a:xfrm>
+          <a:prstGeom prst="rect">
+            <a:avLst/>
+          </a:prstGeom>
+          <a:solidFill>
+            <a:schemeClr val="accent1">
+              <a:lumMod val="75000"/>
+            </a:schemeClr>
+          </a:solidFill>
+          <a:ln w="50800" cap="rnd" cmpd="dbl" algn="ctr">
+            <a:noFill/>
+            <a:prstDash val="solid"/>
+          </a:ln>
+          <a:effectLst/>
+        </p:spPr>
+        <p:style>
+          <a:lnRef idx="3">
+            <a:schemeClr val="lt1"/>
+          </a:lnRef>
+          <a:fillRef idx="1">
+            <a:schemeClr val="accent1"/>
+          </a:fillRef>
+          <a:effectRef idx="1">
+            <a:schemeClr val="accent1"/>
+          </a:effectRef>
+          <a:fontRef idx="minor">
+            <a:schemeClr val="lt1"/>
+          </a:fontRef>
+        </p:style>
+        <p:txBody>
+          <a:bodyPr anchor="ctr"/>
+          <a:lstStyle/>
+          <a:p>
+            <a:pPr algn="ctr" eaLnBrk="1" latinLnBrk="0" hangingPunct="1"/>
+            <a:endParaRPr kumimoji="1" lang="ja-JP"/>
+          </a:p>
+        </p:txBody>
+      </p:sp>
+      <p:sp>
+        <p:nvSpPr>
+          <p:cNvPr id="9" name="Rectangle 8">
+            <a:extLst>
+              <a:ext uri="{FF2B5EF4-FFF2-40B4-BE49-F238E27FC236}">
+                <a16:creationId xmlns:a16="http://schemas.microsoft.com/office/drawing/2014/main" id="{71F9601F-D64D-42A5-B3C4-DA54CEA3D91B}"/>
+              </a:ext>
+            </a:extLst>
+          </p:cNvPr>
+          <p:cNvSpPr/>
+          <p:nvPr userDrawn="1"/>
+        </p:nvSpPr>
+        <p:spPr>
+          <a:xfrm>
+            <a:off x="755576" y="156720"/>
+            <a:ext cx="8388424" cy="692696"/>
+          </a:xfrm>
+          <a:prstGeom prst="rect">
+            <a:avLst/>
+          </a:prstGeom>
+          <a:solidFill>
+            <a:schemeClr val="accent1">
+              <a:lumMod val="75000"/>
+            </a:schemeClr>
+          </a:solidFill>
+          <a:ln w="50800" cap="rnd" cmpd="dbl" algn="ctr">
+            <a:noFill/>
+            <a:prstDash val="solid"/>
+          </a:ln>
+          <a:effectLst/>
+        </p:spPr>
+        <p:style>
+          <a:lnRef idx="3">
+            <a:schemeClr val="lt1"/>
+          </a:lnRef>
+          <a:fillRef idx="1">
+            <a:schemeClr val="accent1"/>
+          </a:fillRef>
+          <a:effectRef idx="1">
+            <a:schemeClr val="accent1"/>
+          </a:effectRef>
+          <a:fontRef idx="minor">
+            <a:schemeClr val="lt1"/>
+          </a:fontRef>
+        </p:style>
+        <p:txBody>
+          <a:bodyPr anchor="ctr"/>
+          <a:lstStyle/>
+          <a:p>
+            <a:pPr algn="ctr" eaLnBrk="1" latinLnBrk="0" hangingPunct="1"/>
+            <a:endParaRPr kumimoji="1" lang="ja-JP"/>
+          </a:p>
+        </p:txBody>
+      </p:sp>
+    </p:spTree>
+    <p:extLst>
+      <p:ext uri="{BB962C8B-B14F-4D97-AF65-F5344CB8AC3E}">
+        <p14:creationId xmlns:p14="http://schemas.microsoft.com/office/powerpoint/2010/main" val="1430398500"/>
+      </p:ext>
+    </p:extLst>
+  </p:cSld>
+  <p:clrMapOvr>
+    <a:masterClrMapping/>
+  </p:clrMapOvr>
+</p:sldLayout>
+</file>
+
+<file path=ppt/slideLayouts/slideLayout3.xml><?xml version="1.0" encoding="utf-8"?>
+<p:sldLayout xmlns:a="http://schemas.openxmlformats.org/drawingml/2006/main" xmlns:r="http://schemas.openxmlformats.org/officeDocument/2006/relationships" xmlns:p="http://schemas.openxmlformats.org/presentationml/2006/main" preserve="1" userDrawn="1">
+  <p:cSld name="タイトルとコンテンツ">
+    <p:spTree>
+      <p:nvGrpSpPr>
+        <p:cNvPr id="1" name=""/>
+        <p:cNvGrpSpPr/>
+        <p:nvPr/>
+      </p:nvGrpSpPr>
+      <p:grpSpPr>
+        <a:xfrm>
+          <a:off x="0" y="0"/>
+          <a:ext cx="0" cy="0"/>
+          <a:chOff x="0" y="0"/>
+          <a:chExt cx="0" cy="0"/>
+        </a:xfrm>
+      </p:grpSpPr>
+      <p:sp>
+        <p:nvSpPr>
+          <p:cNvPr id="8" name="Rectangle 7"/>
+          <p:cNvSpPr/>
+          <p:nvPr userDrawn="1"/>
+        </p:nvSpPr>
+        <p:spPr>
+          <a:xfrm>
+            <a:off x="0" y="156720"/>
+            <a:ext cx="655983" cy="692696"/>
+          </a:xfrm>
+          <a:prstGeom prst="rect">
+            <a:avLst/>
+          </a:prstGeom>
+          <a:solidFill>
+            <a:schemeClr val="accent1">
+              <a:lumMod val="75000"/>
+            </a:schemeClr>
+          </a:solidFill>
+          <a:ln w="50800" cap="rnd" cmpd="dbl" algn="ctr">
+            <a:noFill/>
+            <a:prstDash val="solid"/>
+          </a:ln>
+          <a:effectLst/>
+        </p:spPr>
+        <p:style>
+          <a:lnRef idx="3">
+            <a:schemeClr val="lt1"/>
+          </a:lnRef>
+          <a:fillRef idx="1">
+            <a:schemeClr val="accent1"/>
+          </a:fillRef>
+          <a:effectRef idx="1">
+            <a:schemeClr val="accent1"/>
+          </a:effectRef>
+          <a:fontRef idx="minor">
+            <a:schemeClr val="lt1"/>
+          </a:fontRef>
+        </p:style>
+        <p:txBody>
+          <a:bodyPr anchor="ctr"/>
+          <a:lstStyle/>
+          <a:p>
+            <a:pPr algn="ctr" eaLnBrk="1" latinLnBrk="0" hangingPunct="1"/>
+            <a:endParaRPr kumimoji="1" lang="ja-JP"/>
+          </a:p>
+        </p:txBody>
+      </p:sp>
+      <p:sp>
+        <p:nvSpPr>
+          <p:cNvPr id="9" name="Rectangle 8"/>
+          <p:cNvSpPr/>
+          <p:nvPr userDrawn="1"/>
+        </p:nvSpPr>
+        <p:spPr>
+          <a:xfrm>
+            <a:off x="755576" y="156720"/>
+            <a:ext cx="8388424" cy="692696"/>
+          </a:xfrm>
+          <a:prstGeom prst="rect">
+            <a:avLst/>
+          </a:prstGeom>
+          <a:solidFill>
+            <a:schemeClr val="accent1">
+              <a:lumMod val="75000"/>
+            </a:schemeClr>
+          </a:solidFill>
+          <a:ln w="50800" cap="rnd" cmpd="dbl" algn="ctr">
+            <a:noFill/>
+            <a:prstDash val="solid"/>
+          </a:ln>
+          <a:effectLst/>
+        </p:spPr>
+        <p:style>
+          <a:lnRef idx="3">
+            <a:schemeClr val="lt1"/>
+          </a:lnRef>
+          <a:fillRef idx="1">
+            <a:schemeClr val="accent1"/>
+          </a:fillRef>
+          <a:effectRef idx="1">
+            <a:schemeClr val="accent1"/>
+          </a:effectRef>
+          <a:fontRef idx="minor">
+            <a:schemeClr val="lt1"/>
+          </a:fontRef>
+        </p:style>
+        <p:txBody>
+          <a:bodyPr anchor="ctr"/>
+          <a:lstStyle/>
+          <a:p>
+            <a:pPr algn="ctr" eaLnBrk="1" latinLnBrk="0" hangingPunct="1"/>
+            <a:endParaRPr kumimoji="1" lang="ja-JP"/>
+          </a:p>
+        </p:txBody>
+      </p:sp>
       <p:sp>
         <p:nvSpPr>
           <p:cNvPr id="2" name="タイトル 1"/>
@@ -1479,7 +1509,7 @@
         </p:nvSpPr>
         <p:spPr>
           <a:xfrm>
-            <a:off x="755576" y="156632"/>
+            <a:off x="827584" y="225356"/>
             <a:ext cx="7920880" cy="648072"/>
           </a:xfrm>
         </p:spPr>
@@ -1504,42 +1534,46 @@
           </a:p>
         </p:txBody>
       </p:sp>
-      <p:cxnSp>
-        <p:nvCxnSpPr>
-          <p:cNvPr id="12" name="直線コネクタ 11"/>
-          <p:cNvCxnSpPr/>
-          <p:nvPr userDrawn="1"/>
-        </p:nvCxnSpPr>
+      <p:sp>
+        <p:nvSpPr>
+          <p:cNvPr id="7" name="スライド番号プレースホルダー 5"/>
+          <p:cNvSpPr>
+            <a:spLocks noGrp="1"/>
+          </p:cNvSpPr>
+          <p:nvPr>
+            <p:ph type="sldNum" sz="quarter" idx="12"/>
+          </p:nvPr>
+        </p:nvSpPr>
         <p:spPr>
           <a:xfrm>
-            <a:off x="179512" y="6381328"/>
-            <a:ext cx="8712968" cy="0"/>
+            <a:off x="8388424" y="6309320"/>
+            <a:ext cx="576064" cy="365125"/>
           </a:xfrm>
-          <a:prstGeom prst="line">
-            <a:avLst/>
-          </a:prstGeom>
         </p:spPr>
-        <p:style>
-          <a:lnRef idx="1">
-            <a:schemeClr val="accent1"/>
-          </a:lnRef>
-          <a:fillRef idx="0">
-            <a:schemeClr val="accent1"/>
-          </a:fillRef>
-          <a:effectRef idx="0">
-            <a:schemeClr val="accent1"/>
-          </a:effectRef>
-          <a:fontRef idx="minor">
-            <a:schemeClr val="tx1"/>
-          </a:fontRef>
-        </p:style>
-      </p:cxnSp>
-      <p:sp>
-        <p:nvSpPr>
-          <p:cNvPr id="10" name="日付プレースホルダー 3">
+        <p:txBody>
+          <a:bodyPr/>
+          <a:lstStyle>
+            <a:lvl1pPr>
+              <a:defRPr sz="2000"/>
+            </a:lvl1pPr>
+          </a:lstStyle>
+          <a:p>
+            <a:pPr algn="r"/>
+            <a:fld id="{9F8B1634-8D81-4B56-95D2-A5CBC1A79323}" type="slidenum">
+              <a:rPr lang="ja-JP" altLang="en-US" smtClean="0"/>
+              <a:pPr algn="r"/>
+              <a:t>‹#›</a:t>
+            </a:fld>
+            <a:endParaRPr lang="ja-JP" altLang="en-US" dirty="0"/>
+          </a:p>
+        </p:txBody>
+      </p:sp>
+      <p:sp>
+        <p:nvSpPr>
+          <p:cNvPr id="4" name="テキスト プレースホルダー 3">
             <a:extLst>
               <a:ext uri="{FF2B5EF4-FFF2-40B4-BE49-F238E27FC236}">
-                <a16:creationId xmlns:a16="http://schemas.microsoft.com/office/drawing/2014/main" id="{BBE8354F-49B3-465A-B5E8-CA54945370ED}"/>
+                <a16:creationId xmlns:a16="http://schemas.microsoft.com/office/drawing/2014/main" id="{A724E3ED-840A-4DD7-8BBE-B55C3EB04551}"/>
               </a:ext>
             </a:extLst>
           </p:cNvPr>
@@ -1547,103 +1581,84 @@
             <a:spLocks noGrp="1"/>
           </p:cNvSpPr>
           <p:nvPr>
-            <p:ph type="dt" sz="half" idx="10"/>
+            <p:ph type="body" sz="quarter" idx="13"/>
           </p:nvPr>
         </p:nvSpPr>
         <p:spPr>
           <a:xfrm>
-            <a:off x="206152" y="6383734"/>
-            <a:ext cx="2133600" cy="365125"/>
+            <a:off x="485678" y="1124744"/>
+            <a:ext cx="8172644" cy="5184576"/>
           </a:xfrm>
         </p:spPr>
         <p:txBody>
           <a:bodyPr/>
-          <a:lstStyle>
-            <a:lvl1pPr>
-              <a:defRPr sz="1800"/>
-            </a:lvl1pPr>
-          </a:lstStyle>
-          <a:p>
-            <a:fld id="{70E86920-2925-4ECD-BAC8-714E3B31BE9A}" type="datetime1">
-              <a:rPr lang="ja-JP" altLang="en-US" smtClean="0"/>
-              <a:pPr/>
-              <a:t>2018/4/10</a:t>
-            </a:fld>
-            <a:endParaRPr lang="ja-JP" altLang="en-US" dirty="0"/>
-          </a:p>
-        </p:txBody>
-      </p:sp>
-      <p:sp>
-        <p:nvSpPr>
-          <p:cNvPr id="11" name="フッター プレースホルダー 4">
-            <a:extLst>
-              <a:ext uri="{FF2B5EF4-FFF2-40B4-BE49-F238E27FC236}">
-                <a16:creationId xmlns:a16="http://schemas.microsoft.com/office/drawing/2014/main" id="{8EE4B9D0-476D-4E19-B353-F67A70EF479A}"/>
-              </a:ext>
-            </a:extLst>
-          </p:cNvPr>
-          <p:cNvSpPr>
-            <a:spLocks noGrp="1"/>
-          </p:cNvSpPr>
-          <p:nvPr>
-            <p:ph type="ftr" sz="quarter" idx="11"/>
-          </p:nvPr>
-        </p:nvSpPr>
-        <p:spPr>
-          <a:xfrm>
-            <a:off x="3127248" y="6383734"/>
-            <a:ext cx="2895600" cy="365125"/>
-          </a:xfrm>
-        </p:spPr>
-        <p:txBody>
-          <a:bodyPr/>
-          <a:lstStyle>
-            <a:lvl1pPr algn="ctr">
-              <a:defRPr sz="1800"/>
-            </a:lvl1pPr>
-          </a:lstStyle>
-          <a:p>
-            <a:endParaRPr lang="ja-JP" altLang="en-US" dirty="0"/>
-          </a:p>
-        </p:txBody>
-      </p:sp>
-      <p:sp>
-        <p:nvSpPr>
-          <p:cNvPr id="13" name="スライド番号プレースホルダー 5">
-            <a:extLst>
-              <a:ext uri="{FF2B5EF4-FFF2-40B4-BE49-F238E27FC236}">
-                <a16:creationId xmlns:a16="http://schemas.microsoft.com/office/drawing/2014/main" id="{B506DA1F-908F-4FB6-861D-6E322E706D21}"/>
-              </a:ext>
-            </a:extLst>
-          </p:cNvPr>
-          <p:cNvSpPr>
-            <a:spLocks noGrp="1"/>
-          </p:cNvSpPr>
-          <p:nvPr>
-            <p:ph type="sldNum" sz="quarter" idx="12"/>
-          </p:nvPr>
-        </p:nvSpPr>
-        <p:spPr>
-          <a:xfrm>
-            <a:off x="6732240" y="6383734"/>
-            <a:ext cx="2133600" cy="365125"/>
-          </a:xfrm>
-        </p:spPr>
-        <p:txBody>
-          <a:bodyPr/>
-          <a:lstStyle>
-            <a:lvl1pPr>
-              <a:defRPr sz="1800"/>
-            </a:lvl1pPr>
-          </a:lstStyle>
-          <a:p>
-            <a:pPr algn="r"/>
-            <a:fld id="{9F8B1634-8D81-4B56-95D2-A5CBC1A79323}" type="slidenum">
-              <a:rPr lang="ja-JP" altLang="en-US" smtClean="0"/>
-              <a:pPr algn="r"/>
-              <a:t>‹#›</a:t>
-            </a:fld>
-            <a:endParaRPr lang="ja-JP" altLang="en-US" dirty="0"/>
+          <a:lstStyle/>
+          <a:p>
+            <a:pPr lvl="0"/>
+            <a:r>
+              <a:rPr kumimoji="1" lang="ja-JP" altLang="en-US" dirty="0"/>
+              <a:t>マスター テキストの書式設定</a:t>
+            </a:r>
+          </a:p>
+          <a:p>
+            <a:pPr lvl="1"/>
+            <a:r>
+              <a:rPr kumimoji="1" lang="ja-JP" altLang="en-US" dirty="0"/>
+              <a:t>第 </a:t>
+            </a:r>
+            <a:r>
+              <a:rPr kumimoji="1" lang="en-US" altLang="ja-JP" dirty="0"/>
+              <a:t>2 </a:t>
+            </a:r>
+            <a:r>
+              <a:rPr kumimoji="1" lang="ja-JP" altLang="en-US" dirty="0"/>
+              <a:t>レベル</a:t>
+            </a:r>
+          </a:p>
+          <a:p>
+            <a:pPr lvl="2"/>
+            <a:r>
+              <a:rPr kumimoji="1" lang="ja-JP" altLang="en-US" dirty="0"/>
+              <a:t>第 </a:t>
+            </a:r>
+            <a:r>
+              <a:rPr kumimoji="1" lang="en-US" altLang="ja-JP" dirty="0"/>
+              <a:t>3 </a:t>
+            </a:r>
+            <a:r>
+              <a:rPr kumimoji="1" lang="ja-JP" altLang="en-US" dirty="0"/>
+              <a:t>レベル</a:t>
+            </a:r>
+          </a:p>
+          <a:p>
+            <a:pPr lvl="3"/>
+            <a:r>
+              <a:rPr kumimoji="1" lang="ja-JP" altLang="en-US" dirty="0"/>
+              <a:t>第 </a:t>
+            </a:r>
+            <a:r>
+              <a:rPr kumimoji="1" lang="en-US" altLang="ja-JP" dirty="0"/>
+              <a:t>4 </a:t>
+            </a:r>
+            <a:r>
+              <a:rPr kumimoji="1" lang="ja-JP" altLang="en-US" dirty="0"/>
+              <a:t>レベル</a:t>
+            </a:r>
+          </a:p>
+          <a:p>
+            <a:pPr lvl="4"/>
+            <a:r>
+              <a:rPr kumimoji="1" lang="ja-JP" altLang="en-US" dirty="0"/>
+              <a:t>第 </a:t>
+            </a:r>
+            <a:r>
+              <a:rPr kumimoji="1" lang="en-US" altLang="ja-JP" dirty="0"/>
+              <a:t>5 </a:t>
+            </a:r>
+            <a:r>
+              <a:rPr kumimoji="1" lang="ja-JP" altLang="en-US" dirty="0"/>
+              <a:t>レベル</a:t>
+            </a:r>
           </a:p>
         </p:txBody>
       </p:sp>
@@ -1660,13 +1675,537 @@
 </p:sldLayout>
 </file>
 
+<file path=ppt/slideLayouts/slideLayout4.xml><?xml version="1.0" encoding="utf-8"?>
+<p:sldLayout xmlns:a="http://schemas.openxmlformats.org/drawingml/2006/main" xmlns:r="http://schemas.openxmlformats.org/officeDocument/2006/relationships" xmlns:p="http://schemas.openxmlformats.org/presentationml/2006/main" preserve="1" userDrawn="1">
+  <p:cSld name="1_タイトルとコンテンツ">
+    <p:spTree>
+      <p:nvGrpSpPr>
+        <p:cNvPr id="1" name=""/>
+        <p:cNvGrpSpPr/>
+        <p:nvPr/>
+      </p:nvGrpSpPr>
+      <p:grpSpPr>
+        <a:xfrm>
+          <a:off x="0" y="0"/>
+          <a:ext cx="0" cy="0"/>
+          <a:chOff x="0" y="0"/>
+          <a:chExt cx="0" cy="0"/>
+        </a:xfrm>
+      </p:grpSpPr>
+      <p:sp>
+        <p:nvSpPr>
+          <p:cNvPr id="8" name="Rectangle 7"/>
+          <p:cNvSpPr/>
+          <p:nvPr userDrawn="1"/>
+        </p:nvSpPr>
+        <p:spPr>
+          <a:xfrm>
+            <a:off x="0" y="156720"/>
+            <a:ext cx="655983" cy="692696"/>
+          </a:xfrm>
+          <a:prstGeom prst="rect">
+            <a:avLst/>
+          </a:prstGeom>
+          <a:solidFill>
+            <a:schemeClr val="accent1">
+              <a:lumMod val="75000"/>
+            </a:schemeClr>
+          </a:solidFill>
+          <a:ln w="50800" cap="rnd" cmpd="dbl" algn="ctr">
+            <a:noFill/>
+            <a:prstDash val="solid"/>
+          </a:ln>
+          <a:effectLst/>
+        </p:spPr>
+        <p:style>
+          <a:lnRef idx="3">
+            <a:schemeClr val="lt1"/>
+          </a:lnRef>
+          <a:fillRef idx="1">
+            <a:schemeClr val="accent1"/>
+          </a:fillRef>
+          <a:effectRef idx="1">
+            <a:schemeClr val="accent1"/>
+          </a:effectRef>
+          <a:fontRef idx="minor">
+            <a:schemeClr val="lt1"/>
+          </a:fontRef>
+        </p:style>
+        <p:txBody>
+          <a:bodyPr anchor="ctr"/>
+          <a:lstStyle/>
+          <a:p>
+            <a:pPr algn="ctr" eaLnBrk="1" latinLnBrk="0" hangingPunct="1"/>
+            <a:endParaRPr kumimoji="1" lang="ja-JP"/>
+          </a:p>
+        </p:txBody>
+      </p:sp>
+      <p:sp>
+        <p:nvSpPr>
+          <p:cNvPr id="9" name="Rectangle 8"/>
+          <p:cNvSpPr/>
+          <p:nvPr userDrawn="1"/>
+        </p:nvSpPr>
+        <p:spPr>
+          <a:xfrm>
+            <a:off x="755576" y="156720"/>
+            <a:ext cx="8388424" cy="692696"/>
+          </a:xfrm>
+          <a:prstGeom prst="rect">
+            <a:avLst/>
+          </a:prstGeom>
+          <a:solidFill>
+            <a:schemeClr val="accent1">
+              <a:lumMod val="75000"/>
+            </a:schemeClr>
+          </a:solidFill>
+          <a:ln w="50800" cap="rnd" cmpd="dbl" algn="ctr">
+            <a:noFill/>
+            <a:prstDash val="solid"/>
+          </a:ln>
+          <a:effectLst/>
+        </p:spPr>
+        <p:style>
+          <a:lnRef idx="3">
+            <a:schemeClr val="lt1"/>
+          </a:lnRef>
+          <a:fillRef idx="1">
+            <a:schemeClr val="accent1"/>
+          </a:fillRef>
+          <a:effectRef idx="1">
+            <a:schemeClr val="accent1"/>
+          </a:effectRef>
+          <a:fontRef idx="minor">
+            <a:schemeClr val="lt1"/>
+          </a:fontRef>
+        </p:style>
+        <p:txBody>
+          <a:bodyPr anchor="ctr"/>
+          <a:lstStyle/>
+          <a:p>
+            <a:pPr algn="ctr" eaLnBrk="1" latinLnBrk="0" hangingPunct="1"/>
+            <a:endParaRPr kumimoji="1" lang="ja-JP"/>
+          </a:p>
+        </p:txBody>
+      </p:sp>
+      <p:sp>
+        <p:nvSpPr>
+          <p:cNvPr id="7" name="スライド番号プレースホルダー 5"/>
+          <p:cNvSpPr>
+            <a:spLocks noGrp="1"/>
+          </p:cNvSpPr>
+          <p:nvPr>
+            <p:ph type="sldNum" sz="quarter" idx="12"/>
+          </p:nvPr>
+        </p:nvSpPr>
+        <p:spPr>
+          <a:xfrm>
+            <a:off x="8401871" y="6376555"/>
+            <a:ext cx="576064" cy="365125"/>
+          </a:xfrm>
+        </p:spPr>
+        <p:txBody>
+          <a:bodyPr/>
+          <a:lstStyle>
+            <a:lvl1pPr>
+              <a:defRPr sz="2000"/>
+            </a:lvl1pPr>
+          </a:lstStyle>
+          <a:p>
+            <a:pPr algn="r"/>
+            <a:fld id="{9F8B1634-8D81-4B56-95D2-A5CBC1A79323}" type="slidenum">
+              <a:rPr lang="ja-JP" altLang="en-US" smtClean="0"/>
+              <a:pPr algn="r"/>
+              <a:t>‹#›</a:t>
+            </a:fld>
+            <a:endParaRPr lang="ja-JP" altLang="en-US" dirty="0"/>
+          </a:p>
+        </p:txBody>
+      </p:sp>
+      <p:sp>
+        <p:nvSpPr>
+          <p:cNvPr id="6" name="コンテンツ プレースホルダー 2">
+            <a:extLst>
+              <a:ext uri="{FF2B5EF4-FFF2-40B4-BE49-F238E27FC236}">
+                <a16:creationId xmlns:a16="http://schemas.microsoft.com/office/drawing/2014/main" id="{5A32622B-EABD-4973-AB7D-317170BD1219}"/>
+              </a:ext>
+            </a:extLst>
+          </p:cNvPr>
+          <p:cNvSpPr txBox="1">
+            <a:spLocks/>
+          </p:cNvSpPr>
+          <p:nvPr userDrawn="1"/>
+        </p:nvSpPr>
+        <p:spPr>
+          <a:xfrm>
+            <a:off x="395536" y="1052736"/>
+            <a:ext cx="8352928" cy="569768"/>
+          </a:xfrm>
+          <a:prstGeom prst="rect">
+            <a:avLst/>
+          </a:prstGeom>
+          <a:ln w="38100">
+            <a:solidFill>
+              <a:schemeClr val="accent1"/>
+            </a:solidFill>
+          </a:ln>
+        </p:spPr>
+        <p:txBody>
+          <a:bodyPr anchor="b">
+            <a:normAutofit/>
+          </a:bodyPr>
+          <a:lstStyle>
+            <a:lvl1pPr marL="342900" indent="-342900" algn="l" defTabSz="914400" rtl="0" eaLnBrk="1" latinLnBrk="0" hangingPunct="1">
+              <a:spcBef>
+                <a:spcPct val="20000"/>
+              </a:spcBef>
+              <a:buFont typeface="Arial" panose="020B0604020202020204" pitchFamily="34" charset="0"/>
+              <a:buChar char="•"/>
+              <a:defRPr kumimoji="1" sz="3200" kern="1200">
+                <a:solidFill>
+                  <a:srgbClr val="333333"/>
+                </a:solidFill>
+                <a:latin typeface="Times New Roman" panose="02020603050405020304" pitchFamily="18" charset="0"/>
+                <a:ea typeface="メイリオ" panose="020B0604030504040204" pitchFamily="50" charset="-128"/>
+                <a:cs typeface="Times New Roman" panose="02020603050405020304" pitchFamily="18" charset="0"/>
+              </a:defRPr>
+            </a:lvl1pPr>
+            <a:lvl2pPr marL="742950" indent="-285750" algn="l" defTabSz="914400" rtl="0" eaLnBrk="1" latinLnBrk="0" hangingPunct="1">
+              <a:spcBef>
+                <a:spcPct val="20000"/>
+              </a:spcBef>
+              <a:buFont typeface="Arial" panose="020B0604020202020204" pitchFamily="34" charset="0"/>
+              <a:buChar char="–"/>
+              <a:defRPr kumimoji="1" sz="2800" kern="1200">
+                <a:solidFill>
+                  <a:srgbClr val="333333"/>
+                </a:solidFill>
+                <a:latin typeface="Times New Roman" panose="02020603050405020304" pitchFamily="18" charset="0"/>
+                <a:ea typeface="メイリオ" panose="020B0604030504040204" pitchFamily="50" charset="-128"/>
+                <a:cs typeface="Times New Roman" panose="02020603050405020304" pitchFamily="18" charset="0"/>
+              </a:defRPr>
+            </a:lvl2pPr>
+            <a:lvl3pPr marL="1143000" indent="-228600" algn="l" defTabSz="914400" rtl="0" eaLnBrk="1" latinLnBrk="0" hangingPunct="1">
+              <a:spcBef>
+                <a:spcPct val="20000"/>
+              </a:spcBef>
+              <a:buFont typeface="Arial" panose="020B0604020202020204" pitchFamily="34" charset="0"/>
+              <a:buChar char="•"/>
+              <a:defRPr kumimoji="1" sz="2400" kern="1200">
+                <a:solidFill>
+                  <a:srgbClr val="333333"/>
+                </a:solidFill>
+                <a:latin typeface="Times New Roman" panose="02020603050405020304" pitchFamily="18" charset="0"/>
+                <a:ea typeface="メイリオ" panose="020B0604030504040204" pitchFamily="50" charset="-128"/>
+                <a:cs typeface="Times New Roman" panose="02020603050405020304" pitchFamily="18" charset="0"/>
+              </a:defRPr>
+            </a:lvl3pPr>
+            <a:lvl4pPr marL="1600200" indent="-228600" algn="l" defTabSz="914400" rtl="0" eaLnBrk="1" latinLnBrk="0" hangingPunct="1">
+              <a:spcBef>
+                <a:spcPct val="20000"/>
+              </a:spcBef>
+              <a:buFont typeface="Arial" panose="020B0604020202020204" pitchFamily="34" charset="0"/>
+              <a:buChar char="–"/>
+              <a:defRPr kumimoji="1" sz="2000" kern="1200">
+                <a:solidFill>
+                  <a:srgbClr val="333333"/>
+                </a:solidFill>
+                <a:latin typeface="Times New Roman" panose="02020603050405020304" pitchFamily="18" charset="0"/>
+                <a:ea typeface="メイリオ" panose="020B0604030504040204" pitchFamily="50" charset="-128"/>
+                <a:cs typeface="Times New Roman" panose="02020603050405020304" pitchFamily="18" charset="0"/>
+              </a:defRPr>
+            </a:lvl4pPr>
+            <a:lvl5pPr marL="2057400" indent="-228600" algn="l" defTabSz="914400" rtl="0" eaLnBrk="1" latinLnBrk="0" hangingPunct="1">
+              <a:spcBef>
+                <a:spcPct val="20000"/>
+              </a:spcBef>
+              <a:buFont typeface="Arial" panose="020B0604020202020204" pitchFamily="34" charset="0"/>
+              <a:buChar char="»"/>
+              <a:defRPr kumimoji="1" sz="2000" kern="1200">
+                <a:solidFill>
+                  <a:srgbClr val="333333"/>
+                </a:solidFill>
+                <a:latin typeface="Times New Roman" panose="02020603050405020304" pitchFamily="18" charset="0"/>
+                <a:ea typeface="メイリオ" panose="020B0604030504040204" pitchFamily="50" charset="-128"/>
+                <a:cs typeface="Times New Roman" panose="02020603050405020304" pitchFamily="18" charset="0"/>
+              </a:defRPr>
+            </a:lvl5pPr>
+            <a:lvl6pPr marL="2514600" indent="-228600" algn="l" defTabSz="914400" rtl="0" eaLnBrk="1" latinLnBrk="0" hangingPunct="1">
+              <a:spcBef>
+                <a:spcPct val="20000"/>
+              </a:spcBef>
+              <a:buFont typeface="Arial" panose="020B0604020202020204" pitchFamily="34" charset="0"/>
+              <a:buChar char="•"/>
+              <a:defRPr kumimoji="1" sz="2000" kern="1200">
+                <a:solidFill>
+                  <a:schemeClr val="tx1"/>
+                </a:solidFill>
+                <a:latin typeface="+mn-lt"/>
+                <a:ea typeface="+mn-ea"/>
+                <a:cs typeface="+mn-cs"/>
+              </a:defRPr>
+            </a:lvl6pPr>
+            <a:lvl7pPr marL="2971800" indent="-228600" algn="l" defTabSz="914400" rtl="0" eaLnBrk="1" latinLnBrk="0" hangingPunct="1">
+              <a:spcBef>
+                <a:spcPct val="20000"/>
+              </a:spcBef>
+              <a:buFont typeface="Arial" panose="020B0604020202020204" pitchFamily="34" charset="0"/>
+              <a:buChar char="•"/>
+              <a:defRPr kumimoji="1" sz="2000" kern="1200">
+                <a:solidFill>
+                  <a:schemeClr val="tx1"/>
+                </a:solidFill>
+                <a:latin typeface="+mn-lt"/>
+                <a:ea typeface="+mn-ea"/>
+                <a:cs typeface="+mn-cs"/>
+              </a:defRPr>
+            </a:lvl7pPr>
+            <a:lvl8pPr marL="3429000" indent="-228600" algn="l" defTabSz="914400" rtl="0" eaLnBrk="1" latinLnBrk="0" hangingPunct="1">
+              <a:spcBef>
+                <a:spcPct val="20000"/>
+              </a:spcBef>
+              <a:buFont typeface="Arial" panose="020B0604020202020204" pitchFamily="34" charset="0"/>
+              <a:buChar char="•"/>
+              <a:defRPr kumimoji="1" sz="2000" kern="1200">
+                <a:solidFill>
+                  <a:schemeClr val="tx1"/>
+                </a:solidFill>
+                <a:latin typeface="+mn-lt"/>
+                <a:ea typeface="+mn-ea"/>
+                <a:cs typeface="+mn-cs"/>
+              </a:defRPr>
+            </a:lvl8pPr>
+            <a:lvl9pPr marL="3886200" indent="-228600" algn="l" defTabSz="914400" rtl="0" eaLnBrk="1" latinLnBrk="0" hangingPunct="1">
+              <a:spcBef>
+                <a:spcPct val="20000"/>
+              </a:spcBef>
+              <a:buFont typeface="Arial" panose="020B0604020202020204" pitchFamily="34" charset="0"/>
+              <a:buChar char="•"/>
+              <a:defRPr kumimoji="1" sz="2000" kern="1200">
+                <a:solidFill>
+                  <a:schemeClr val="tx1"/>
+                </a:solidFill>
+                <a:latin typeface="+mn-lt"/>
+                <a:ea typeface="+mn-ea"/>
+                <a:cs typeface="+mn-cs"/>
+              </a:defRPr>
+            </a:lvl9pPr>
+          </a:lstStyle>
+          <a:p>
+            <a:pPr marL="0" indent="-114300">
+              <a:buNone/>
+            </a:pPr>
+            <a:endParaRPr lang="en-US" altLang="ja-JP" sz="2800" dirty="0">
+              <a:solidFill>
+                <a:schemeClr val="tx1"/>
+              </a:solidFill>
+              <a:latin typeface="メイリオ" panose="020B0604030504040204" pitchFamily="50" charset="-128"/>
+            </a:endParaRPr>
+          </a:p>
+        </p:txBody>
+      </p:sp>
+      <p:sp>
+        <p:nvSpPr>
+          <p:cNvPr id="12" name="テキスト プレースホルダー 11">
+            <a:extLst>
+              <a:ext uri="{FF2B5EF4-FFF2-40B4-BE49-F238E27FC236}">
+                <a16:creationId xmlns:a16="http://schemas.microsoft.com/office/drawing/2014/main" id="{8E92FDC4-2D87-4BE1-A4E1-A93E2CFD1DC0}"/>
+              </a:ext>
+            </a:extLst>
+          </p:cNvPr>
+          <p:cNvSpPr>
+            <a:spLocks noGrp="1"/>
+          </p:cNvSpPr>
+          <p:nvPr>
+            <p:ph type="body" sz="quarter" idx="13"/>
+          </p:nvPr>
+        </p:nvSpPr>
+        <p:spPr>
+          <a:xfrm>
+            <a:off x="444479" y="1119971"/>
+            <a:ext cx="8352928" cy="569768"/>
+          </a:xfrm>
+        </p:spPr>
+        <p:txBody>
+          <a:bodyPr/>
+          <a:lstStyle>
+            <a:lvl1pPr marL="0" indent="0">
+              <a:buNone/>
+              <a:defRPr>
+                <a:latin typeface="メイリオ" panose="020B0604030504040204" pitchFamily="50" charset="-128"/>
+                <a:ea typeface="メイリオ" panose="020B0604030504040204" pitchFamily="50" charset="-128"/>
+              </a:defRPr>
+            </a:lvl1pPr>
+          </a:lstStyle>
+          <a:p>
+            <a:pPr lvl="0"/>
+            <a:r>
+              <a:rPr kumimoji="1" lang="ja-JP" altLang="en-US" dirty="0"/>
+              <a:t>マスター テキストの書式設定</a:t>
+            </a:r>
+          </a:p>
+        </p:txBody>
+      </p:sp>
+      <p:sp>
+        <p:nvSpPr>
+          <p:cNvPr id="17" name="テキスト プレースホルダー 16">
+            <a:extLst>
+              <a:ext uri="{FF2B5EF4-FFF2-40B4-BE49-F238E27FC236}">
+                <a16:creationId xmlns:a16="http://schemas.microsoft.com/office/drawing/2014/main" id="{54DF5BD8-328C-4E24-BB6C-0BF3A2C9F4CE}"/>
+              </a:ext>
+            </a:extLst>
+          </p:cNvPr>
+          <p:cNvSpPr>
+            <a:spLocks noGrp="1"/>
+          </p:cNvSpPr>
+          <p:nvPr>
+            <p:ph type="body" sz="quarter" idx="14"/>
+          </p:nvPr>
+        </p:nvSpPr>
+        <p:spPr>
+          <a:xfrm>
+            <a:off x="395536" y="1756975"/>
+            <a:ext cx="8352928" cy="4619580"/>
+          </a:xfrm>
+        </p:spPr>
+        <p:txBody>
+          <a:bodyPr/>
+          <a:lstStyle/>
+          <a:p>
+            <a:pPr lvl="0"/>
+            <a:r>
+              <a:rPr kumimoji="1" lang="ja-JP" altLang="en-US"/>
+              <a:t>マスター テキストの書式設定</a:t>
+            </a:r>
+          </a:p>
+          <a:p>
+            <a:pPr lvl="1"/>
+            <a:r>
+              <a:rPr kumimoji="1" lang="ja-JP" altLang="en-US"/>
+              <a:t>第 </a:t>
+            </a:r>
+            <a:r>
+              <a:rPr kumimoji="1" lang="en-US" altLang="ja-JP"/>
+              <a:t>2 </a:t>
+            </a:r>
+            <a:r>
+              <a:rPr kumimoji="1" lang="ja-JP" altLang="en-US"/>
+              <a:t>レベル</a:t>
+            </a:r>
+          </a:p>
+          <a:p>
+            <a:pPr lvl="2"/>
+            <a:r>
+              <a:rPr kumimoji="1" lang="ja-JP" altLang="en-US"/>
+              <a:t>第 </a:t>
+            </a:r>
+            <a:r>
+              <a:rPr kumimoji="1" lang="en-US" altLang="ja-JP"/>
+              <a:t>3 </a:t>
+            </a:r>
+            <a:r>
+              <a:rPr kumimoji="1" lang="ja-JP" altLang="en-US"/>
+              <a:t>レベル</a:t>
+            </a:r>
+          </a:p>
+          <a:p>
+            <a:pPr lvl="3"/>
+            <a:r>
+              <a:rPr kumimoji="1" lang="ja-JP" altLang="en-US"/>
+              <a:t>第 </a:t>
+            </a:r>
+            <a:r>
+              <a:rPr kumimoji="1" lang="en-US" altLang="ja-JP"/>
+              <a:t>4 </a:t>
+            </a:r>
+            <a:r>
+              <a:rPr kumimoji="1" lang="ja-JP" altLang="en-US"/>
+              <a:t>レベル</a:t>
+            </a:r>
+          </a:p>
+          <a:p>
+            <a:pPr lvl="4"/>
+            <a:r>
+              <a:rPr kumimoji="1" lang="ja-JP" altLang="en-US"/>
+              <a:t>第 </a:t>
+            </a:r>
+            <a:r>
+              <a:rPr kumimoji="1" lang="en-US" altLang="ja-JP"/>
+              <a:t>5 </a:t>
+            </a:r>
+            <a:r>
+              <a:rPr kumimoji="1" lang="ja-JP" altLang="en-US"/>
+              <a:t>レベル</a:t>
+            </a:r>
+          </a:p>
+        </p:txBody>
+      </p:sp>
+      <p:sp>
+        <p:nvSpPr>
+          <p:cNvPr id="10" name="タイトル 1">
+            <a:extLst>
+              <a:ext uri="{FF2B5EF4-FFF2-40B4-BE49-F238E27FC236}">
+                <a16:creationId xmlns:a16="http://schemas.microsoft.com/office/drawing/2014/main" id="{22120186-0C3B-429D-85E3-AAEBADBE8611}"/>
+              </a:ext>
+            </a:extLst>
+          </p:cNvPr>
+          <p:cNvSpPr>
+            <a:spLocks noGrp="1"/>
+          </p:cNvSpPr>
+          <p:nvPr>
+            <p:ph type="title"/>
+          </p:nvPr>
+        </p:nvSpPr>
+        <p:spPr>
+          <a:xfrm>
+            <a:off x="827584" y="225356"/>
+            <a:ext cx="7920880" cy="648072"/>
+          </a:xfrm>
+        </p:spPr>
+        <p:txBody>
+          <a:bodyPr/>
+          <a:lstStyle>
+            <a:lvl1pPr algn="l">
+              <a:defRPr>
+                <a:solidFill>
+                  <a:schemeClr val="bg1"/>
+                </a:solidFill>
+                <a:latin typeface="メイリオ" panose="020B0604030504040204" pitchFamily="50" charset="-128"/>
+                <a:ea typeface="メイリオ" panose="020B0604030504040204" pitchFamily="50" charset="-128"/>
+              </a:defRPr>
+            </a:lvl1pPr>
+          </a:lstStyle>
+          <a:p>
+            <a:r>
+              <a:rPr kumimoji="1" lang="ja-JP" altLang="en-US" dirty="0"/>
+              <a:t>マスター タイトルの書式設定</a:t>
+            </a:r>
+          </a:p>
+        </p:txBody>
+      </p:sp>
+    </p:spTree>
+    <p:extLst>
+      <p:ext uri="{BB962C8B-B14F-4D97-AF65-F5344CB8AC3E}">
+        <p14:creationId xmlns:p14="http://schemas.microsoft.com/office/powerpoint/2010/main" val="3744535732"/>
+      </p:ext>
+    </p:extLst>
+  </p:cSld>
+  <p:clrMapOvr>
+    <a:masterClrMapping/>
+  </p:clrMapOvr>
+</p:sldLayout>
+</file>
+
 <file path=ppt/slideMasters/slideMaster1.xml><?xml version="1.0" encoding="utf-8"?>
 <p:sldMaster xmlns:a="http://schemas.openxmlformats.org/drawingml/2006/main" xmlns:r="http://schemas.openxmlformats.org/officeDocument/2006/relationships" xmlns:p="http://schemas.openxmlformats.org/presentationml/2006/main">
   <p:cSld>
     <p:bg>
-      <p:bgRef idx="1001">
-        <a:schemeClr val="bg1"/>
-      </p:bgRef>
+      <p:bgPr>
+        <a:solidFill>
+          <a:schemeClr val="bg1"/>
+        </a:solidFill>
+        <a:effectLst/>
+      </p:bgPr>
     </p:bg>
     <p:spTree>
       <p:nvGrpSpPr>
@@ -1830,7 +2369,7 @@
           <a:bodyPr vert="horz" lIns="91440" tIns="45720" rIns="91440" bIns="45720" rtlCol="0" anchor="ctr"/>
           <a:lstStyle>
             <a:lvl1pPr algn="l">
-              <a:defRPr sz="1200">
+              <a:defRPr sz="1800">
                 <a:solidFill>
                   <a:schemeClr val="tx1">
                     <a:tint val="75000"/>
@@ -1840,11 +2379,12 @@
             </a:lvl1pPr>
           </a:lstStyle>
           <a:p>
-            <a:fld id="{D988C23A-5C06-4CA2-877E-EDAD5F1C32FF}" type="datetime1">
-              <a:rPr kumimoji="1" lang="ja-JP" altLang="en-US" smtClean="0"/>
-              <a:t>2018/4/10</a:t>
+            <a:fld id="{8DCF6484-CF48-4BE0-9E25-5FC320F8C5FA}" type="datetime1">
+              <a:rPr lang="ja-JP" altLang="en-US" smtClean="0"/>
+              <a:pPr/>
+              <a:t>2018/12/29</a:t>
             </a:fld>
-            <a:endParaRPr kumimoji="1" lang="ja-JP" altLang="en-US"/>
+            <a:endParaRPr lang="ja-JP" altLang="en-US" dirty="0"/>
           </a:p>
         </p:txBody>
       </p:sp>
@@ -1871,7 +2411,7 @@
           <a:bodyPr vert="horz" lIns="91440" tIns="45720" rIns="91440" bIns="45720" rtlCol="0" anchor="ctr"/>
           <a:lstStyle>
             <a:lvl1pPr algn="r">
-              <a:defRPr sz="1200">
+              <a:defRPr sz="1800">
                 <a:solidFill>
                   <a:schemeClr val="tx1">
                     <a:tint val="75000"/>
@@ -1908,7 +2448,7 @@
           <a:bodyPr vert="horz" lIns="91440" tIns="45720" rIns="91440" bIns="45720" rtlCol="0" anchor="ctr"/>
           <a:lstStyle>
             <a:lvl1pPr algn="ctr">
-              <a:defRPr sz="1200">
+              <a:defRPr sz="1800">
                 <a:solidFill>
                   <a:schemeClr val="tx1">
                     <a:tint val="75000"/>
@@ -1937,9 +2477,11 @@
   <p:clrMap bg1="lt1" tx1="dk1" bg2="lt2" tx2="dk2" accent1="accent1" accent2="accent2" accent3="accent3" accent4="accent4" accent5="accent5" accent6="accent6" hlink="hlink" folHlink="folHlink"/>
   <p:sldLayoutIdLst>
     <p:sldLayoutId id="2147483649" r:id="rId1"/>
-    <p:sldLayoutId id="2147483650" r:id="rId2"/>
+    <p:sldLayoutId id="2147483651" r:id="rId2"/>
+    <p:sldLayoutId id="2147483650" r:id="rId3"/>
+    <p:sldLayoutId id="2147483652" r:id="rId4"/>
   </p:sldLayoutIdLst>
-  <p:hf hdr="0" dt="0"/>
+  <p:hf hdr="0" ftr="0" dt="0"/>
   <p:txStyles>
     <p:titleStyle>
       <a:lvl1pPr algn="ctr" defTabSz="914400" rtl="0" eaLnBrk="1" latinLnBrk="0" hangingPunct="1">
@@ -1958,77 +2500,77 @@
       </a:lvl1pPr>
     </p:titleStyle>
     <p:bodyStyle>
-      <a:lvl1pPr marL="342900" indent="-342900" algn="l" defTabSz="914400" rtl="0" eaLnBrk="1" latinLnBrk="0" hangingPunct="1">
+      <a:lvl1pPr marL="268288" indent="-268288" algn="l" defTabSz="914400" rtl="0" eaLnBrk="1" latinLnBrk="0" hangingPunct="1">
         <a:spcBef>
           <a:spcPct val="20000"/>
         </a:spcBef>
         <a:buFont typeface="Arial" panose="020B0604020202020204" pitchFamily="34" charset="0"/>
         <a:buChar char="•"/>
-        <a:defRPr kumimoji="1" sz="3200" kern="1200">
+        <a:defRPr kumimoji="1" sz="2800" kern="1200">
           <a:solidFill>
             <a:srgbClr val="333333"/>
           </a:solidFill>
-          <a:latin typeface="Times New Roman" panose="02020603050405020304" pitchFamily="18" charset="0"/>
+          <a:latin typeface="メイリオ" panose="020B0604030504040204" pitchFamily="50" charset="-128"/>
           <a:ea typeface="メイリオ" panose="020B0604030504040204" pitchFamily="50" charset="-128"/>
           <a:cs typeface="Times New Roman" panose="02020603050405020304" pitchFamily="18" charset="0"/>
         </a:defRPr>
       </a:lvl1pPr>
-      <a:lvl2pPr marL="742950" indent="-285750" algn="l" defTabSz="914400" rtl="0" eaLnBrk="1" latinLnBrk="0" hangingPunct="1">
+      <a:lvl2pPr marL="631825" indent="-349250" algn="l" defTabSz="901700" rtl="0" eaLnBrk="1" latinLnBrk="0" hangingPunct="1">
+        <a:spcBef>
+          <a:spcPct val="20000"/>
+        </a:spcBef>
+        <a:buFont typeface="メイリオ" panose="020B0604030504040204" pitchFamily="50" charset="-128"/>
+        <a:buChar char="–"/>
+        <a:defRPr kumimoji="1" sz="2400" kern="1200">
+          <a:solidFill>
+            <a:srgbClr val="333333"/>
+          </a:solidFill>
+          <a:latin typeface="メイリオ" panose="020B0604030504040204" pitchFamily="50" charset="-128"/>
+          <a:ea typeface="メイリオ" panose="020B0604030504040204" pitchFamily="50" charset="-128"/>
+          <a:cs typeface="Times New Roman" panose="02020603050405020304" pitchFamily="18" charset="0"/>
+        </a:defRPr>
+      </a:lvl2pPr>
+      <a:lvl3pPr marL="806450" indent="-255588" algn="l" defTabSz="914400" rtl="0" eaLnBrk="1" latinLnBrk="0" hangingPunct="1">
+        <a:spcBef>
+          <a:spcPct val="20000"/>
+        </a:spcBef>
+        <a:buFont typeface="メイリオ" panose="020B0604030504040204" pitchFamily="50" charset="-128"/>
+        <a:buChar char="–"/>
+        <a:defRPr kumimoji="1" sz="2000" kern="1200">
+          <a:solidFill>
+            <a:srgbClr val="333333"/>
+          </a:solidFill>
+          <a:latin typeface="メイリオ" panose="020B0604030504040204" pitchFamily="50" charset="-128"/>
+          <a:ea typeface="メイリオ" panose="020B0604030504040204" pitchFamily="50" charset="-128"/>
+          <a:cs typeface="Times New Roman" panose="02020603050405020304" pitchFamily="18" charset="0"/>
+        </a:defRPr>
+      </a:lvl3pPr>
+      <a:lvl4pPr marL="1076325" indent="-228600" algn="l" defTabSz="914400" rtl="0" eaLnBrk="1" latinLnBrk="0" hangingPunct="1">
         <a:spcBef>
           <a:spcPct val="20000"/>
         </a:spcBef>
         <a:buFont typeface="Arial" panose="020B0604020202020204" pitchFamily="34" charset="0"/>
         <a:buChar char="–"/>
-        <a:defRPr kumimoji="1" sz="2800" kern="1200">
+        <a:defRPr kumimoji="1" sz="1800" kern="1200">
           <a:solidFill>
             <a:srgbClr val="333333"/>
           </a:solidFill>
-          <a:latin typeface="Times New Roman" panose="02020603050405020304" pitchFamily="18" charset="0"/>
+          <a:latin typeface="メイリオ" panose="020B0604030504040204" pitchFamily="50" charset="-128"/>
           <a:ea typeface="メイリオ" panose="020B0604030504040204" pitchFamily="50" charset="-128"/>
           <a:cs typeface="Times New Roman" panose="02020603050405020304" pitchFamily="18" charset="0"/>
         </a:defRPr>
-      </a:lvl2pPr>
-      <a:lvl3pPr marL="1143000" indent="-228600" algn="l" defTabSz="914400" rtl="0" eaLnBrk="1" latinLnBrk="0" hangingPunct="1">
-        <a:spcBef>
-          <a:spcPct val="20000"/>
-        </a:spcBef>
-        <a:buFont typeface="Arial" panose="020B0604020202020204" pitchFamily="34" charset="0"/>
-        <a:buChar char="•"/>
-        <a:defRPr kumimoji="1" sz="2400" kern="1200">
-          <a:solidFill>
-            <a:srgbClr val="333333"/>
-          </a:solidFill>
-          <a:latin typeface="Times New Roman" panose="02020603050405020304" pitchFamily="18" charset="0"/>
-          <a:ea typeface="メイリオ" panose="020B0604030504040204" pitchFamily="50" charset="-128"/>
-          <a:cs typeface="Times New Roman" panose="02020603050405020304" pitchFamily="18" charset="0"/>
-        </a:defRPr>
-      </a:lvl3pPr>
-      <a:lvl4pPr marL="1600200" indent="-228600" algn="l" defTabSz="914400" rtl="0" eaLnBrk="1" latinLnBrk="0" hangingPunct="1">
+      </a:lvl4pPr>
+      <a:lvl5pPr marL="1344613" indent="-228600" algn="l" defTabSz="914400" rtl="0" eaLnBrk="1" latinLnBrk="0" hangingPunct="1">
         <a:spcBef>
           <a:spcPct val="20000"/>
         </a:spcBef>
         <a:buFont typeface="Arial" panose="020B0604020202020204" pitchFamily="34" charset="0"/>
         <a:buChar char="–"/>
-        <a:defRPr kumimoji="1" sz="2000" kern="1200">
+        <a:defRPr kumimoji="1" sz="1800" kern="1200">
           <a:solidFill>
             <a:srgbClr val="333333"/>
           </a:solidFill>
-          <a:latin typeface="Times New Roman" panose="02020603050405020304" pitchFamily="18" charset="0"/>
-          <a:ea typeface="メイリオ" panose="020B0604030504040204" pitchFamily="50" charset="-128"/>
-          <a:cs typeface="Times New Roman" panose="02020603050405020304" pitchFamily="18" charset="0"/>
-        </a:defRPr>
-      </a:lvl4pPr>
-      <a:lvl5pPr marL="2057400" indent="-228600" algn="l" defTabSz="914400" rtl="0" eaLnBrk="1" latinLnBrk="0" hangingPunct="1">
-        <a:spcBef>
-          <a:spcPct val="20000"/>
-        </a:spcBef>
-        <a:buFont typeface="Arial" panose="020B0604020202020204" pitchFamily="34" charset="0"/>
-        <a:buChar char="»"/>
-        <a:defRPr kumimoji="1" sz="2000" kern="1200">
-          <a:solidFill>
-            <a:srgbClr val="333333"/>
-          </a:solidFill>
-          <a:latin typeface="Times New Roman" panose="02020603050405020304" pitchFamily="18" charset="0"/>
+          <a:latin typeface="メイリオ" panose="020B0604030504040204" pitchFamily="50" charset="-128"/>
           <a:ea typeface="メイリオ" panose="020B0604030504040204" pitchFamily="50" charset="-128"/>
           <a:cs typeface="Times New Roman" panose="02020603050405020304" pitchFamily="18" charset="0"/>
         </a:defRPr>
@@ -2212,63 +2754,58 @@
       </p:grpSpPr>
       <p:sp>
         <p:nvSpPr>
-          <p:cNvPr id="20" name="タイトル 1"/>
-          <p:cNvSpPr txBox="1">
-            <a:spLocks/>
+          <p:cNvPr id="2" name="タイトル 1">
+            <a:extLst>
+              <a:ext uri="{FF2B5EF4-FFF2-40B4-BE49-F238E27FC236}">
+                <a16:creationId xmlns:a16="http://schemas.microsoft.com/office/drawing/2014/main" id="{642C4913-3D8D-4BBC-AA2F-60F3079DA7AD}"/>
+              </a:ext>
+            </a:extLst>
+          </p:cNvPr>
+          <p:cNvSpPr>
+            <a:spLocks noGrp="1"/>
           </p:cNvSpPr>
-          <p:nvPr/>
-        </p:nvSpPr>
-        <p:spPr>
-          <a:xfrm>
-            <a:off x="179512" y="2492896"/>
-            <a:ext cx="8820472" cy="2304257"/>
-          </a:xfrm>
-          <a:prstGeom prst="rect">
-            <a:avLst/>
-          </a:prstGeom>
-        </p:spPr>
-        <p:txBody>
-          <a:bodyPr vert="horz" lIns="91440" tIns="45720" rIns="91440" bIns="45720" rtlCol="0" anchor="ctr">
-            <a:normAutofit fontScale="97500"/>
-          </a:bodyPr>
-          <a:lstStyle>
-            <a:lvl1pPr algn="l" defTabSz="914400" rtl="0" eaLnBrk="1" latinLnBrk="0" hangingPunct="1">
-              <a:spcBef>
-                <a:spcPct val="0"/>
-              </a:spcBef>
-              <a:buNone/>
-              <a:defRPr kumimoji="1" sz="4400" kern="1200">
-                <a:solidFill>
-                  <a:schemeClr val="bg1"/>
-                </a:solidFill>
-                <a:latin typeface="Times New Roman" panose="02020603050405020304" pitchFamily="18" charset="0"/>
-                <a:ea typeface="メイリオ" panose="020B0604030504040204" pitchFamily="50" charset="-128"/>
-                <a:cs typeface="Times New Roman" panose="02020603050405020304" pitchFamily="18" charset="0"/>
-              </a:defRPr>
-            </a:lvl1pPr>
-          </a:lstStyle>
-          <a:p>
-            <a:pPr algn="ctr"/>
-            <a:r>
-              <a:rPr lang="ja-JP" altLang="en-US" sz="3300" dirty="0">
-                <a:solidFill>
-                  <a:schemeClr val="tx1"/>
-                </a:solidFill>
-              </a:rPr>
-              <a:t>プレゼンテーション</a:t>
-            </a:r>
-            <a:endParaRPr lang="en-US" altLang="ja-JP" sz="3300" dirty="0">
-              <a:solidFill>
-                <a:schemeClr val="tx1"/>
-              </a:solidFill>
-            </a:endParaRPr>
+          <p:nvPr>
+            <p:ph type="ctrTitle"/>
+          </p:nvPr>
+        </p:nvSpPr>
+        <p:spPr/>
+        <p:txBody>
+          <a:bodyPr/>
+          <a:lstStyle/>
+          <a:p>
+            <a:endParaRPr kumimoji="1" lang="ja-JP" altLang="en-US" dirty="0"/>
+          </a:p>
+        </p:txBody>
+      </p:sp>
+      <p:sp>
+        <p:nvSpPr>
+          <p:cNvPr id="3" name="字幕 2">
+            <a:extLst>
+              <a:ext uri="{FF2B5EF4-FFF2-40B4-BE49-F238E27FC236}">
+                <a16:creationId xmlns:a16="http://schemas.microsoft.com/office/drawing/2014/main" id="{18D0BA14-2F8A-45CB-A212-930DC0F62234}"/>
+              </a:ext>
+            </a:extLst>
+          </p:cNvPr>
+          <p:cNvSpPr>
+            <a:spLocks noGrp="1"/>
+          </p:cNvSpPr>
+          <p:nvPr>
+            <p:ph type="subTitle" idx="1"/>
+          </p:nvPr>
+        </p:nvSpPr>
+        <p:spPr/>
+        <p:txBody>
+          <a:bodyPr/>
+          <a:lstStyle/>
+          <a:p>
+            <a:endParaRPr kumimoji="1" lang="ja-JP" altLang="en-US" dirty="0"/>
           </a:p>
         </p:txBody>
       </p:sp>
     </p:spTree>
     <p:extLst>
       <p:ext uri="{BB962C8B-B14F-4D97-AF65-F5344CB8AC3E}">
-        <p14:creationId xmlns:p14="http://schemas.microsoft.com/office/powerpoint/2010/main" val="3530034867"/>
+        <p14:creationId xmlns:p14="http://schemas.microsoft.com/office/powerpoint/2010/main" val="1475116442"/>
       </p:ext>
     </p:extLst>
   </p:cSld>
@@ -2297,7 +2834,63 @@
       </p:grpSpPr>
       <p:sp>
         <p:nvSpPr>
-          <p:cNvPr id="2" name="タイトル 1"/>
+          <p:cNvPr id="3" name="テキスト プレースホルダー 2">
+            <a:extLst>
+              <a:ext uri="{FF2B5EF4-FFF2-40B4-BE49-F238E27FC236}">
+                <a16:creationId xmlns:a16="http://schemas.microsoft.com/office/drawing/2014/main" id="{1E534B62-43F3-4C07-B0DC-CE0CFC1256A9}"/>
+              </a:ext>
+            </a:extLst>
+          </p:cNvPr>
+          <p:cNvSpPr>
+            <a:spLocks noGrp="1"/>
+          </p:cNvSpPr>
+          <p:nvPr>
+            <p:ph type="body" sz="quarter" idx="13"/>
+          </p:nvPr>
+        </p:nvSpPr>
+        <p:spPr/>
+        <p:txBody>
+          <a:bodyPr/>
+          <a:lstStyle/>
+          <a:p>
+            <a:endParaRPr kumimoji="1" lang="ja-JP" altLang="en-US"/>
+          </a:p>
+        </p:txBody>
+      </p:sp>
+      <p:sp>
+        <p:nvSpPr>
+          <p:cNvPr id="4" name="テキスト プレースホルダー 3">
+            <a:extLst>
+              <a:ext uri="{FF2B5EF4-FFF2-40B4-BE49-F238E27FC236}">
+                <a16:creationId xmlns:a16="http://schemas.microsoft.com/office/drawing/2014/main" id="{E2B01895-0544-4AE8-B500-12B0506C8402}"/>
+              </a:ext>
+            </a:extLst>
+          </p:cNvPr>
+          <p:cNvSpPr>
+            <a:spLocks noGrp="1"/>
+          </p:cNvSpPr>
+          <p:nvPr>
+            <p:ph type="body" sz="quarter" idx="14"/>
+          </p:nvPr>
+        </p:nvSpPr>
+        <p:spPr/>
+        <p:txBody>
+          <a:bodyPr/>
+          <a:lstStyle/>
+          <a:p>
+            <a:endParaRPr kumimoji="1" lang="ja-JP" altLang="en-US"/>
+          </a:p>
+        </p:txBody>
+      </p:sp>
+      <p:sp>
+        <p:nvSpPr>
+          <p:cNvPr id="2" name="タイトル 1">
+            <a:extLst>
+              <a:ext uri="{FF2B5EF4-FFF2-40B4-BE49-F238E27FC236}">
+                <a16:creationId xmlns:a16="http://schemas.microsoft.com/office/drawing/2014/main" id="{84DB6B01-9432-4ADC-B13E-0409288BA5B6}"/>
+              </a:ext>
+            </a:extLst>
+          </p:cNvPr>
           <p:cNvSpPr>
             <a:spLocks noGrp="1"/>
           </p:cNvSpPr>
@@ -2305,147 +2898,376 @@
             <p:ph type="title"/>
           </p:nvPr>
         </p:nvSpPr>
-        <p:spPr>
-          <a:xfrm>
-            <a:off x="755576" y="188640"/>
-            <a:ext cx="7920880" cy="648072"/>
-          </a:xfrm>
-        </p:spPr>
+        <p:spPr/>
         <p:txBody>
           <a:bodyPr>
             <a:normAutofit fontScale="90000"/>
           </a:bodyPr>
           <a:lstStyle/>
           <a:p>
+            <a:endParaRPr kumimoji="1" lang="ja-JP" altLang="en-US"/>
+          </a:p>
+        </p:txBody>
+      </p:sp>
+    </p:spTree>
+    <p:extLst>
+      <p:ext uri="{BB962C8B-B14F-4D97-AF65-F5344CB8AC3E}">
+        <p14:creationId xmlns:p14="http://schemas.microsoft.com/office/powerpoint/2010/main" val="2874622236"/>
+      </p:ext>
+    </p:extLst>
+  </p:cSld>
+  <p:clrMapOvr>
+    <a:masterClrMapping/>
+  </p:clrMapOvr>
+</p:sld>
+</file>
+
+<file path=ppt/slides/slide3.xml><?xml version="1.0" encoding="utf-8"?>
+<p:sld xmlns:a="http://schemas.openxmlformats.org/drawingml/2006/main" xmlns:r="http://schemas.openxmlformats.org/officeDocument/2006/relationships" xmlns:p="http://schemas.openxmlformats.org/presentationml/2006/main">
+  <p:cSld>
+    <p:spTree>
+      <p:nvGrpSpPr>
+        <p:cNvPr id="1" name=""/>
+        <p:cNvGrpSpPr/>
+        <p:nvPr/>
+      </p:nvGrpSpPr>
+      <p:grpSpPr>
+        <a:xfrm>
+          <a:off x="0" y="0"/>
+          <a:ext cx="0" cy="0"/>
+          <a:chOff x="0" y="0"/>
+          <a:chExt cx="0" cy="0"/>
+        </a:xfrm>
+      </p:grpSpPr>
+      <p:sp>
+        <p:nvSpPr>
+          <p:cNvPr id="3" name="スライド番号プレースホルダー 2">
+            <a:extLst>
+              <a:ext uri="{FF2B5EF4-FFF2-40B4-BE49-F238E27FC236}">
+                <a16:creationId xmlns:a16="http://schemas.microsoft.com/office/drawing/2014/main" id="{95AE0B97-4075-4C9D-9249-3FB5C4B74113}"/>
+              </a:ext>
+            </a:extLst>
+          </p:cNvPr>
+          <p:cNvSpPr>
+            <a:spLocks noGrp="1"/>
+          </p:cNvSpPr>
+          <p:nvPr>
+            <p:ph type="sldNum" sz="quarter" idx="12"/>
+          </p:nvPr>
+        </p:nvSpPr>
+        <p:spPr/>
+        <p:txBody>
+          <a:bodyPr/>
+          <a:lstStyle/>
+          <a:p>
+            <a:pPr algn="r"/>
+            <a:fld id="{9F8B1634-8D81-4B56-95D2-A5CBC1A79323}" type="slidenum">
+              <a:rPr lang="ja-JP" altLang="en-US" smtClean="0"/>
+              <a:pPr algn="r"/>
+              <a:t>3</a:t>
+            </a:fld>
+            <a:endParaRPr lang="ja-JP" altLang="en-US" dirty="0"/>
+          </a:p>
+        </p:txBody>
+      </p:sp>
+      <p:sp>
+        <p:nvSpPr>
+          <p:cNvPr id="7" name="テキスト プレースホルダー 6">
+            <a:extLst>
+              <a:ext uri="{FF2B5EF4-FFF2-40B4-BE49-F238E27FC236}">
+                <a16:creationId xmlns:a16="http://schemas.microsoft.com/office/drawing/2014/main" id="{8610DEEB-6CE7-42C5-8F05-5E75474B35F7}"/>
+              </a:ext>
+            </a:extLst>
+          </p:cNvPr>
+          <p:cNvSpPr>
+            <a:spLocks noGrp="1"/>
+          </p:cNvSpPr>
+          <p:nvPr>
+            <p:ph type="body" sz="quarter" idx="13"/>
+          </p:nvPr>
+        </p:nvSpPr>
+        <p:spPr/>
+        <p:txBody>
+          <a:bodyPr>
+            <a:normAutofit/>
+          </a:bodyPr>
+          <a:lstStyle/>
+          <a:p>
             <a:r>
               <a:rPr kumimoji="1" lang="ja-JP" altLang="en-US" dirty="0"/>
-              <a:t>スライドタイトル</a:t>
-            </a:r>
-          </a:p>
-        </p:txBody>
-      </p:sp>
-      <p:sp>
-        <p:nvSpPr>
-          <p:cNvPr id="25" name="タイトル 1"/>
-          <p:cNvSpPr txBox="1">
-            <a:spLocks/>
+              <a:t>伝えることを</a:t>
+            </a:r>
+            <a:r>
+              <a:rPr kumimoji="1" lang="en-US" altLang="ja-JP" dirty="0"/>
+              <a:t>1</a:t>
+            </a:r>
+            <a:r>
+              <a:rPr kumimoji="1" lang="ja-JP" altLang="en-US" dirty="0"/>
+              <a:t>行で述べる</a:t>
+            </a:r>
+          </a:p>
+        </p:txBody>
+      </p:sp>
+      <p:sp>
+        <p:nvSpPr>
+          <p:cNvPr id="10" name="テキスト プレースホルダー 9">
+            <a:extLst>
+              <a:ext uri="{FF2B5EF4-FFF2-40B4-BE49-F238E27FC236}">
+                <a16:creationId xmlns:a16="http://schemas.microsoft.com/office/drawing/2014/main" id="{78ABDCD6-B81A-4D6F-9C5F-BA1F1E7B6017}"/>
+              </a:ext>
+            </a:extLst>
+          </p:cNvPr>
+          <p:cNvSpPr>
+            <a:spLocks noGrp="1"/>
           </p:cNvSpPr>
-          <p:nvPr/>
-        </p:nvSpPr>
-        <p:spPr>
-          <a:xfrm>
-            <a:off x="251520" y="1052736"/>
-            <a:ext cx="8597304" cy="4968552"/>
-          </a:xfrm>
-          <a:prstGeom prst="rect">
-            <a:avLst/>
-          </a:prstGeom>
-        </p:spPr>
-        <p:txBody>
-          <a:bodyPr vert="horz" lIns="91440" tIns="45720" rIns="91440" bIns="45720" rtlCol="0" anchor="ctr">
-            <a:noAutofit/>
+          <p:nvPr>
+            <p:ph type="body" sz="quarter" idx="14"/>
+          </p:nvPr>
+        </p:nvSpPr>
+        <p:spPr/>
+        <p:txBody>
+          <a:bodyPr>
+            <a:normAutofit/>
           </a:bodyPr>
-          <a:lstStyle>
-            <a:lvl1pPr algn="l" defTabSz="914400" rtl="0" eaLnBrk="1" latinLnBrk="0" hangingPunct="1">
-              <a:spcBef>
-                <a:spcPct val="0"/>
-              </a:spcBef>
-              <a:buNone/>
-              <a:defRPr kumimoji="1" sz="4400" kern="1200">
-                <a:solidFill>
-                  <a:schemeClr val="bg1"/>
-                </a:solidFill>
-                <a:latin typeface="Times New Roman" panose="02020603050405020304" pitchFamily="18" charset="0"/>
-                <a:ea typeface="メイリオ" panose="020B0604030504040204" pitchFamily="50" charset="-128"/>
-                <a:cs typeface="Times New Roman" panose="02020603050405020304" pitchFamily="18" charset="0"/>
-              </a:defRPr>
-            </a:lvl1pPr>
-          </a:lstStyle>
-          <a:p>
-            <a:pPr algn="ctr"/>
-            <a:r>
-              <a:rPr lang="ja-JP" altLang="en-US" sz="2400" dirty="0">
+          <a:lstStyle/>
+          <a:p>
+            <a:r>
+              <a:rPr lang="ja-JP" altLang="en-US" dirty="0"/>
+              <a:t>文字サイズは </a:t>
+            </a:r>
+            <a:r>
+              <a:rPr lang="en-US" altLang="ja-JP" dirty="0"/>
+              <a:t>18pt,20pt,24pt,28pt </a:t>
+            </a:r>
+            <a:r>
+              <a:rPr lang="ja-JP" altLang="en-US" dirty="0"/>
+              <a:t>くらい</a:t>
+            </a:r>
+            <a:endParaRPr lang="en-US" altLang="ja-JP" b="1" dirty="0">
+              <a:solidFill>
+                <a:srgbClr val="FF0066"/>
+              </a:solidFill>
+            </a:endParaRPr>
+          </a:p>
+          <a:p>
+            <a:r>
+              <a:rPr lang="ja-JP" altLang="en-US" dirty="0">
                 <a:solidFill>
                   <a:schemeClr val="tx1"/>
                 </a:solidFill>
               </a:rPr>
-              <a:t>内容</a:t>
-            </a:r>
-            <a:endParaRPr lang="en-US" altLang="ja-JP" sz="2400">
+              <a:t>文章は短く</a:t>
+            </a:r>
+            <a:r>
+              <a:rPr lang="en-US" altLang="ja-JP" dirty="0">
+                <a:solidFill>
+                  <a:schemeClr val="tx1"/>
+                </a:solidFill>
+              </a:rPr>
+              <a:t>(</a:t>
+            </a:r>
+            <a:r>
+              <a:rPr lang="ja-JP" altLang="en-US" dirty="0">
+                <a:solidFill>
+                  <a:schemeClr val="tx1"/>
+                </a:solidFill>
+              </a:rPr>
+              <a:t>体言止め</a:t>
+            </a:r>
+            <a:r>
+              <a:rPr lang="en-US" altLang="ja-JP" dirty="0">
+                <a:solidFill>
+                  <a:schemeClr val="tx1"/>
+                </a:solidFill>
+              </a:rPr>
+              <a:t>)</a:t>
+            </a:r>
+            <a:endParaRPr lang="en-US" altLang="ja-JP" dirty="0"/>
+          </a:p>
+          <a:p>
+            <a:r>
+              <a:rPr lang="ja-JP" altLang="en-US" dirty="0"/>
+              <a:t>あまり文字サイズは変えない</a:t>
+            </a:r>
+            <a:endParaRPr lang="en-US" altLang="ja-JP" dirty="0"/>
+          </a:p>
+          <a:p>
+            <a:r>
+              <a:rPr lang="ja-JP" altLang="en-US" dirty="0"/>
+              <a:t>強調するときは</a:t>
+            </a:r>
+            <a:r>
+              <a:rPr lang="ja-JP" altLang="en-US" b="1" dirty="0">
+                <a:solidFill>
+                  <a:srgbClr val="FF0066"/>
+                </a:solidFill>
+              </a:rPr>
+              <a:t>太文字</a:t>
+            </a:r>
+            <a:r>
+              <a:rPr lang="en-US" altLang="ja-JP" b="1" dirty="0">
+                <a:solidFill>
+                  <a:srgbClr val="FF0066"/>
+                </a:solidFill>
+              </a:rPr>
+              <a:t>&amp;</a:t>
+            </a:r>
+            <a:r>
+              <a:rPr lang="ja-JP" altLang="en-US" b="1" dirty="0">
+                <a:solidFill>
+                  <a:srgbClr val="FF0066"/>
+                </a:solidFill>
+              </a:rPr>
+              <a:t>色付け</a:t>
+            </a:r>
+            <a:endParaRPr lang="en-US" altLang="ja-JP" dirty="0">
               <a:solidFill>
                 <a:schemeClr val="tx1"/>
               </a:solidFill>
             </a:endParaRPr>
           </a:p>
           <a:p>
-            <a:pPr algn="ctr"/>
-            <a:endParaRPr lang="en-US" altLang="ja-JP" sz="2400" dirty="0">
+            <a:r>
+              <a:rPr lang="ja-JP" altLang="en-US" dirty="0">
+                <a:solidFill>
+                  <a:schemeClr val="tx1"/>
+                </a:solidFill>
+              </a:rPr>
+              <a:t>線の太さは</a:t>
+            </a:r>
+            <a:r>
+              <a:rPr lang="en-US" altLang="ja-JP" dirty="0">
+                <a:solidFill>
+                  <a:schemeClr val="tx1"/>
+                </a:solidFill>
+              </a:rPr>
+              <a:t>1.5pt</a:t>
+            </a:r>
+            <a:r>
+              <a:rPr lang="ja-JP" altLang="en-US" dirty="0">
+                <a:solidFill>
+                  <a:schemeClr val="tx1"/>
+                </a:solidFill>
+              </a:rPr>
+              <a:t>以上がオススメ</a:t>
+            </a:r>
+            <a:endParaRPr lang="en-US" altLang="ja-JP" dirty="0">
               <a:solidFill>
                 <a:schemeClr val="tx1"/>
               </a:solidFill>
             </a:endParaRPr>
           </a:p>
           <a:p>
-            <a:pPr algn="ctr"/>
-            <a:r>
-              <a:rPr lang="ja-JP" altLang="en-US" sz="2400" dirty="0">
+            <a:r>
+              <a:rPr lang="ja-JP" altLang="en-US" dirty="0">
                 <a:solidFill>
-                  <a:srgbClr val="FF0066"/>
+                  <a:schemeClr val="tx1"/>
                 </a:solidFill>
               </a:rPr>
-              <a:t>注意</a:t>
-            </a:r>
-            <a:endParaRPr lang="en-US" altLang="ja-JP" sz="2400" dirty="0">
+              <a:t>図をいっぱい入れよう</a:t>
+            </a:r>
+            <a:endParaRPr lang="en-US" altLang="ja-JP" dirty="0">
               <a:solidFill>
-                <a:srgbClr val="FF0066"/>
+                <a:schemeClr val="tx1"/>
               </a:solidFill>
             </a:endParaRPr>
           </a:p>
-        </p:txBody>
-      </p:sp>
-      <mc:AlternateContent xmlns:mc="http://schemas.openxmlformats.org/markup-compatibility/2006" xmlns:p14="http://schemas.microsoft.com/office/powerpoint/2010/main">
-        <mc:Choice Requires="p14">
-          <p:contentPart p14:bwMode="auto" r:id="rId3">
-            <p14:nvContentPartPr>
-              <p14:cNvPr id="3" name="インク 2"/>
-              <p14:cNvContentPartPr/>
-              <p14:nvPr/>
-            </p14:nvContentPartPr>
-            <p14:xfrm>
-              <a:off x="4384440" y="2571840"/>
-              <a:ext cx="360" cy="360"/>
-            </p14:xfrm>
-          </p:contentPart>
-        </mc:Choice>
-        <mc:Fallback xmlns="">
-          <p:pic>
-            <p:nvPicPr>
-              <p:cNvPr id="3" name="インク 2"/>
-              <p:cNvPicPr/>
-              <p:nvPr/>
-            </p:nvPicPr>
-            <p:blipFill>
-              <a:blip r:embed="rId4"/>
-              <a:stretch>
-                <a:fillRect/>
-              </a:stretch>
-            </p:blipFill>
-            <p:spPr>
-              <a:xfrm>
-                <a:off x="4375080" y="2562480"/>
-                <a:ext cx="19080" cy="19080"/>
-              </a:xfrm>
-              <a:prstGeom prst="rect">
-                <a:avLst/>
-              </a:prstGeom>
-            </p:spPr>
-          </p:pic>
-        </mc:Fallback>
-      </mc:AlternateContent>
+          <a:p>
+            <a:r>
+              <a:rPr lang="ja-JP" altLang="en-US" dirty="0">
+                <a:solidFill>
+                  <a:schemeClr val="tx1"/>
+                </a:solidFill>
+              </a:rPr>
+              <a:t>余白は気にするな</a:t>
+            </a:r>
+            <a:r>
+              <a:rPr lang="en-US" altLang="ja-JP" dirty="0">
+                <a:solidFill>
+                  <a:schemeClr val="tx1"/>
+                </a:solidFill>
+              </a:rPr>
+              <a:t>(</a:t>
+            </a:r>
+            <a:r>
+              <a:rPr lang="ja-JP" altLang="en-US" dirty="0">
+                <a:solidFill>
+                  <a:schemeClr val="tx1"/>
+                </a:solidFill>
+              </a:rPr>
+              <a:t>情報過多よりマシ</a:t>
+            </a:r>
+            <a:r>
+              <a:rPr lang="en-US" altLang="ja-JP" dirty="0">
+                <a:solidFill>
+                  <a:schemeClr val="tx1"/>
+                </a:solidFill>
+              </a:rPr>
+              <a:t>)</a:t>
+            </a:r>
+          </a:p>
+          <a:p>
+            <a:r>
+              <a:rPr lang="ja-JP" altLang="en-US" dirty="0">
+                <a:solidFill>
+                  <a:schemeClr val="tx1"/>
+                </a:solidFill>
+              </a:rPr>
+              <a:t>まとめページはつくろう</a:t>
+            </a:r>
+            <a:endParaRPr lang="en-US" altLang="ja-JP" dirty="0">
+              <a:solidFill>
+                <a:schemeClr val="tx1"/>
+              </a:solidFill>
+            </a:endParaRPr>
+          </a:p>
+          <a:p>
+            <a:endParaRPr lang="en-US" altLang="ja-JP" dirty="0">
+              <a:solidFill>
+                <a:schemeClr val="tx1"/>
+              </a:solidFill>
+            </a:endParaRPr>
+          </a:p>
+        </p:txBody>
+      </p:sp>
+      <p:sp>
+        <p:nvSpPr>
+          <p:cNvPr id="6" name="タイトル 5">
+            <a:extLst>
+              <a:ext uri="{FF2B5EF4-FFF2-40B4-BE49-F238E27FC236}">
+                <a16:creationId xmlns:a16="http://schemas.microsoft.com/office/drawing/2014/main" id="{EB83CB8B-5380-4920-90CE-60349CFCEAD1}"/>
+              </a:ext>
+            </a:extLst>
+          </p:cNvPr>
+          <p:cNvSpPr>
+            <a:spLocks noGrp="1"/>
+          </p:cNvSpPr>
+          <p:nvPr>
+            <p:ph type="title"/>
+          </p:nvPr>
+        </p:nvSpPr>
+        <p:spPr/>
+        <p:txBody>
+          <a:bodyPr>
+            <a:normAutofit fontScale="90000"/>
+          </a:bodyPr>
+          <a:lstStyle/>
+          <a:p>
+            <a:r>
+              <a:rPr kumimoji="1" lang="en-US" altLang="ja-JP" dirty="0"/>
+              <a:t>1. </a:t>
+            </a:r>
+            <a:r>
+              <a:rPr kumimoji="1" lang="ja-JP" altLang="en-US" dirty="0"/>
+              <a:t>規則</a:t>
+            </a:r>
+          </a:p>
+        </p:txBody>
+      </p:sp>
     </p:spTree>
     <p:extLst>
       <p:ext uri="{BB962C8B-B14F-4D97-AF65-F5344CB8AC3E}">
-        <p14:creationId xmlns:p14="http://schemas.microsoft.com/office/powerpoint/2010/main" val="342077054"/>
+        <p14:creationId xmlns:p14="http://schemas.microsoft.com/office/powerpoint/2010/main" val="3696460646"/>
       </p:ext>
     </p:extLst>
   </p:cSld>
